--- a/Courses/Computer-Modeling-and-IT/Computer-Modeling-and-IT-6-Class/06-Search-And-Replace-Text/06-Search-And-Replace-Text.pptx
+++ b/Courses/Computer-Modeling-and-IT/Computer-Modeling-and-IT-6-Class/06-Search-And-Replace-Text/06-Search-And-Replace-Text.pptx
@@ -207,6 +207,12 @@
 </p:presentation>
 </file>
 
+<file path=ppt/authors.xml><?xml version="1.0" encoding="utf-8"?>
+<p188:authorLst xmlns:a="http://schemas.openxmlformats.org/drawingml/2006/main" xmlns:r="http://schemas.openxmlformats.org/officeDocument/2006/relationships" xmlns:p188="http://schemas.microsoft.com/office/powerpoint/2018/8/main">
+  <p188:author id="{61328A60-1351-1658-BC09-0F9214BEF0FD}" name="Александрина Механджийска" initials="АМ" userId="S::am43953203@edu.mon.bg::60a33b73-667f-441e-9a53-8ce9df28dca4" providerId="AD"/>
+</p188:authorLst>
+</file>
+
 <file path=ppt/handoutMasters/handoutMaster1.xml><?xml version="1.0" encoding="utf-8"?>
 <p:handoutMaster xmlns:a="http://schemas.openxmlformats.org/drawingml/2006/main" xmlns:r="http://schemas.openxmlformats.org/officeDocument/2006/relationships" xmlns:p="http://schemas.openxmlformats.org/presentationml/2006/main">
   <p:cSld>
@@ -301,7 +307,7 @@
           <a:p>
             <a:fld id="{4E087215-0C8F-4762-A664-737A353EC9A4}" type="datetimeFigureOut">
               <a:rPr lang="bg-BG" smtClean="0"/>
-              <a:t>26.3.2024 г.</a:t>
+              <a:t>24.04.24 г.</a:t>
             </a:fld>
             <a:endParaRPr lang="bg-BG"/>
           </a:p>
@@ -497,7 +503,7 @@
           <a:p>
             <a:fld id="{72D84649-876A-46C9-8472-14CB09C070D8}" type="datetimeFigureOut">
               <a:rPr lang="en-US" smtClean="0"/>
-              <a:t>3/26/2024</a:t>
+              <a:t>4/24/24</a:t>
             </a:fld>
             <a:endParaRPr lang="en-US"/>
           </a:p>
@@ -1254,19 +1260,19 @@
           <a:lstStyle/>
           <a:p>
             <a:r>
-              <a:rPr lang="bg-BG" sz="1100" smtClean="0"/>
+              <a:rPr lang="bg-BG" sz="1100"/>
               <a:t>Работна група </a:t>
             </a:r>
             <a:r>
-              <a:rPr lang="bg-BG" smtClean="0"/>
+              <a:rPr lang="bg-BG"/>
               <a:t>"Образование по програмиране и ИТ"</a:t>
             </a:r>
             <a:r>
-              <a:rPr lang="bg-BG" sz="1100" smtClean="0"/>
+              <a:rPr lang="bg-BG" sz="1100"/>
               <a:t>, с подкрепата на </a:t>
             </a:r>
             <a:r>
-              <a:rPr lang="en-US" sz="1100" smtClean="0">
+              <a:rPr lang="en-US" sz="1100">
                 <a:hlinkClick r:id="rId3"/>
               </a:rPr>
               <a:t>SoftUni</a:t>
@@ -1375,19 +1381,19 @@
           <a:lstStyle/>
           <a:p>
             <a:r>
-              <a:rPr lang="bg-BG" sz="1100" smtClean="0"/>
+              <a:rPr lang="bg-BG" sz="1100"/>
               <a:t>Работна група </a:t>
             </a:r>
             <a:r>
-              <a:rPr lang="bg-BG" smtClean="0"/>
+              <a:rPr lang="bg-BG"/>
               <a:t>"Образование по програмиране и ИТ"</a:t>
             </a:r>
             <a:r>
-              <a:rPr lang="bg-BG" sz="1100" smtClean="0"/>
+              <a:rPr lang="bg-BG" sz="1100"/>
               <a:t>, с подкрепата на </a:t>
             </a:r>
             <a:r>
-              <a:rPr lang="en-US" sz="1100" smtClean="0">
+              <a:rPr lang="en-US" sz="1100">
                 <a:hlinkClick r:id="rId3"/>
               </a:rPr>
               <a:t>SoftUni</a:t>
@@ -7061,16 +7067,12 @@
           <a:lstStyle/>
           <a:p>
             <a:r>
-              <a:rPr lang="en-US" dirty="0" smtClean="0"/>
+              <a:rPr lang="en-US" dirty="0"/>
               <a:t>6</a:t>
             </a:r>
             <a:r>
-              <a:rPr lang="bg-BG" dirty="0" smtClean="0"/>
-              <a:t> </a:t>
-            </a:r>
-            <a:r>
               <a:rPr lang="bg-BG" dirty="0"/>
-              <a:t>клас</a:t>
+              <a:t> клас</a:t>
             </a:r>
           </a:p>
         </p:txBody>
@@ -7213,12 +7215,8 @@
           <a:lstStyle/>
           <a:p>
             <a:r>
-              <a:rPr lang="bg-BG" dirty="0" smtClean="0"/>
-              <a:t>Търсене и замяна на </a:t>
-            </a:r>
-            <a:r>
-              <a:rPr lang="bg-BG" dirty="0" smtClean="0"/>
-              <a:t>текст</a:t>
+              <a:rPr lang="bg-BG" dirty="0"/>
+              <a:t>Търсене и замяна на текст</a:t>
             </a:r>
             <a:endParaRPr lang="en-US" dirty="0"/>
           </a:p>
@@ -7322,20 +7320,8 @@
           <a:lstStyle/>
           <a:p>
             <a:r>
-              <a:rPr lang="bg-BG" dirty="0" smtClean="0"/>
-              <a:t>Търсене </a:t>
-            </a:r>
-            <a:r>
               <a:rPr lang="bg-BG" dirty="0"/>
-              <a:t>и получаване </a:t>
-            </a:r>
-            <a:r>
-              <a:rPr lang="bg-BG" dirty="0" smtClean="0"/>
-              <a:t>на помощна </a:t>
-            </a:r>
-            <a:r>
-              <a:rPr lang="bg-BG" dirty="0"/>
-              <a:t>информация</a:t>
+              <a:t>Търсене и получаване на помощна информация</a:t>
             </a:r>
             <a:endParaRPr lang="en-US" dirty="0"/>
           </a:p>
@@ -7359,13 +7345,6 @@
       <p:transition spd="slow" advClick="0" advTm="5000"/>
     </mc:Fallback>
   </mc:AlternateContent>
-  <p:timing>
-    <p:tnLst>
-      <p:par>
-        <p:cTn id="1" dur="indefinite" restart="never" nodeType="tmRoot"/>
-      </p:par>
-    </p:tnLst>
-  </p:timing>
 </p:sld>
 </file>
 
@@ -7523,7 +7502,7 @@
           <a:p>
             <a:pPr algn="ctr"/>
             <a:r>
-              <a:rPr lang="bg-BG" sz="2800" b="1" dirty="0" smtClean="0">
+              <a:rPr lang="bg-BG" sz="2800" b="1" dirty="0">
                 <a:solidFill>
                   <a:srgbClr val="FFFFFF"/>
                 </a:solidFill>
@@ -7612,7 +7591,7 @@
           <a:p>
             <a:pPr algn="ctr"/>
             <a:r>
-              <a:rPr lang="bg-BG" sz="2800" b="1" dirty="0" smtClean="0">
+              <a:rPr lang="bg-BG" sz="2800" b="1" dirty="0">
                 <a:solidFill>
                   <a:srgbClr val="FFFFFF"/>
                 </a:solidFill>
@@ -7627,7 +7606,22 @@
               <a:t>Ако отново натиснем </a:t>
             </a:r>
             <a:r>
-              <a:rPr lang="en-US" sz="2800" b="1" dirty="0" smtClean="0">
+              <a:rPr lang="en-US" sz="2800" b="1" dirty="0">
+                <a:solidFill>
+                  <a:srgbClr val="FFFFFF"/>
+                </a:solidFill>
+                <a:effectLst>
+                  <a:outerShdw blurRad="38100" dist="38100" dir="2700000" algn="tl">
+                    <a:srgbClr val="000000">
+                      <a:alpha val="43137"/>
+                    </a:srgbClr>
+                  </a:outerShdw>
+                </a:effectLst>
+              </a:rPr>
+              <a:t>[</a:t>
+            </a:r>
+            <a:r>
+              <a:rPr lang="en-US" sz="2800" b="1" dirty="0">
                 <a:solidFill>
                   <a:schemeClr val="bg1">
                     <a:lumMod val="60000"/>
@@ -7645,7 +7639,22 @@
               <a:t>Find Next</a:t>
             </a:r>
             <a:r>
-              <a:rPr lang="bg-BG" sz="2800" b="1" dirty="0" smtClean="0">
+              <a:rPr lang="en-US" sz="2800" b="1" dirty="0">
+                <a:solidFill>
+                  <a:srgbClr val="FFFFFF"/>
+                </a:solidFill>
+                <a:effectLst>
+                  <a:outerShdw blurRad="38100" dist="38100" dir="2700000" algn="tl">
+                    <a:srgbClr val="000000">
+                      <a:alpha val="43137"/>
+                    </a:srgbClr>
+                  </a:outerShdw>
+                </a:effectLst>
+              </a:rPr>
+              <a:t>]</a:t>
+            </a:r>
+            <a:r>
+              <a:rPr lang="bg-BG" sz="2800" b="1" dirty="0">
                 <a:solidFill>
                   <a:srgbClr val="FFFFFF"/>
                 </a:solidFill>
@@ -7973,7 +7982,7 @@
           <a:p>
             <a:pPr algn="ctr"/>
             <a:r>
-              <a:rPr lang="bg-BG" sz="2800" b="1" dirty="0" smtClean="0">
+              <a:rPr lang="bg-BG" sz="2800" b="1" dirty="0">
                 <a:solidFill>
                   <a:srgbClr val="FFFFFF"/>
                 </a:solidFill>
@@ -8182,32 +8191,32 @@
           <a:lstStyle/>
           <a:p>
             <a:r>
-              <a:rPr lang="bg-BG" dirty="0" smtClean="0"/>
+              <a:rPr lang="bg-BG" dirty="0"/>
               <a:t>Може да задавате различни </a:t>
             </a:r>
             <a:r>
-              <a:rPr lang="bg-BG" b="1" dirty="0" smtClean="0"/>
-              <a:t>допъ</a:t>
-            </a:r>
-            <a:r>
               <a:rPr lang="bg-BG" b="1" dirty="0"/>
-              <a:t>л</a:t>
-            </a:r>
-            <a:r>
-              <a:rPr lang="bg-BG" b="1" dirty="0" smtClean="0"/>
-              <a:t>нителни условия </a:t>
-            </a:r>
-            <a:r>
-              <a:rPr lang="bg-BG" dirty="0" smtClean="0"/>
+              <a:t>допълнителни условия </a:t>
+            </a:r>
+            <a:r>
+              <a:rPr lang="bg-BG" dirty="0"/>
               <a:t>при търсенето на текст чрез бутона </a:t>
             </a:r>
             <a:r>
-              <a:rPr lang="en-US" b="1" dirty="0" smtClean="0">
+              <a:rPr lang="en-US" dirty="0"/>
+              <a:t>[</a:t>
+            </a:r>
+            <a:r>
+              <a:rPr lang="en-US" b="1" dirty="0">
                 <a:solidFill>
                   <a:schemeClr val="bg1"/>
                 </a:solidFill>
               </a:rPr>
               <a:t>More</a:t>
+            </a:r>
+            <a:r>
+              <a:rPr lang="en-US" dirty="0"/>
+              <a:t>]</a:t>
             </a:r>
             <a:endParaRPr lang="en-US" b="1" dirty="0">
               <a:solidFill>
@@ -8596,7 +8605,7 @@
           <a:p>
             <a:pPr algn="ctr"/>
             <a:r>
-              <a:rPr lang="bg-BG" sz="2800" b="1" dirty="0" smtClean="0">
+              <a:rPr lang="bg-BG" sz="2800" b="1" dirty="0">
                 <a:solidFill>
                   <a:srgbClr val="FFFFFF"/>
                 </a:solidFill>
@@ -8611,7 +8620,7 @@
               <a:t>Така на прозореца </a:t>
             </a:r>
             <a:r>
-              <a:rPr lang="en-US" sz="2800" b="1" dirty="0" smtClean="0">
+              <a:rPr lang="en-US" sz="2800" b="1" dirty="0">
                 <a:solidFill>
                   <a:schemeClr val="bg1">
                     <a:lumMod val="60000"/>
@@ -8629,7 +8638,7 @@
               <a:t>Find and Replace</a:t>
             </a:r>
             <a:r>
-              <a:rPr lang="bg-BG" sz="2800" b="1" dirty="0" smtClean="0">
+              <a:rPr lang="bg-BG" sz="2800" b="1" dirty="0">
                 <a:solidFill>
                   <a:schemeClr val="bg1">
                     <a:lumMod val="60000"/>
@@ -8647,7 +8656,7 @@
               <a:t> </a:t>
             </a:r>
             <a:r>
-              <a:rPr lang="bg-BG" sz="2800" b="1" dirty="0" smtClean="0">
+              <a:rPr lang="bg-BG" sz="2800" b="1" dirty="0">
                 <a:solidFill>
                   <a:srgbClr val="FFFFFF"/>
                 </a:solidFill>
@@ -8662,7 +8671,7 @@
               <a:t>се показва нова секция </a:t>
             </a:r>
             <a:r>
-              <a:rPr lang="en-US" sz="2800" b="1" dirty="0" smtClean="0">
+              <a:rPr lang="en-US" sz="2800" b="1" dirty="0">
                 <a:solidFill>
                   <a:srgbClr val="FFFFFF"/>
                 </a:solidFill>
@@ -8677,7 +8686,7 @@
               <a:t>– </a:t>
             </a:r>
             <a:r>
-              <a:rPr lang="en-US" sz="2800" b="1" dirty="0" smtClean="0">
+              <a:rPr lang="en-US" sz="2800" b="1" dirty="0">
                 <a:solidFill>
                   <a:schemeClr val="bg1">
                     <a:lumMod val="60000"/>
@@ -8694,21 +8703,6 @@
               </a:rPr>
               <a:t>Search Options</a:t>
             </a:r>
-            <a:endParaRPr lang="en-US" sz="2800" b="1" dirty="0">
-              <a:solidFill>
-                <a:schemeClr val="bg1">
-                  <a:lumMod val="60000"/>
-                  <a:lumOff val="40000"/>
-                </a:schemeClr>
-              </a:solidFill>
-              <a:effectLst>
-                <a:outerShdw blurRad="38100" dist="38100" dir="2700000" algn="tl">
-                  <a:srgbClr val="000000">
-                    <a:alpha val="43137"/>
-                  </a:srgbClr>
-                </a:outerShdw>
-              </a:effectLst>
-            </a:endParaRPr>
           </a:p>
         </p:txBody>
       </p:sp>
@@ -8772,7 +8766,7 @@
           <a:p>
             <a:pPr algn="ctr"/>
             <a:r>
-              <a:rPr lang="bg-BG" sz="2800" b="1" dirty="0" smtClean="0">
+              <a:rPr lang="bg-BG" sz="2800" b="1" dirty="0">
                 <a:solidFill>
                   <a:srgbClr val="FFFFFF"/>
                 </a:solidFill>
@@ -9471,11 +9465,11 @@
           <a:lstStyle/>
           <a:p>
             <a:r>
-              <a:rPr lang="bg-BG" dirty="0" smtClean="0"/>
+              <a:rPr lang="bg-BG" dirty="0"/>
               <a:t>От комбинираната текстова кутия </a:t>
             </a:r>
             <a:r>
-              <a:rPr lang="en-US" b="1" dirty="0" smtClean="0">
+              <a:rPr lang="en-US" b="1" dirty="0">
                 <a:solidFill>
                   <a:schemeClr val="bg1"/>
                 </a:solidFill>
@@ -9483,64 +9477,64 @@
               <a:t>Search</a:t>
             </a:r>
             <a:r>
-              <a:rPr lang="en-US" b="1" dirty="0" smtClean="0"/>
+              <a:rPr lang="en-US" b="1" dirty="0"/>
               <a:t> </a:t>
             </a:r>
             <a:r>
-              <a:rPr lang="bg-BG" dirty="0" smtClean="0"/>
+              <a:rPr lang="bg-BG" dirty="0"/>
               <a:t>се избира </a:t>
             </a:r>
             <a:r>
-              <a:rPr lang="bg-BG" b="1" dirty="0" smtClean="0"/>
+              <a:rPr lang="bg-BG" b="1" dirty="0"/>
               <a:t>посока на търсенето</a:t>
             </a:r>
             <a:r>
-              <a:rPr lang="bg-BG" dirty="0" smtClean="0"/>
+              <a:rPr lang="bg-BG" dirty="0"/>
               <a:t> в документа</a:t>
             </a:r>
-            <a:endParaRPr lang="en-US" dirty="0" smtClean="0"/>
-          </a:p>
-          <a:p>
-            <a:r>
-              <a:rPr lang="en-US" b="1" dirty="0" smtClean="0"/>
+            <a:endParaRPr lang="en-US" dirty="0"/>
+          </a:p>
+          <a:p>
+            <a:r>
+              <a:rPr lang="en-US" b="1" dirty="0"/>
               <a:t>Down</a:t>
             </a:r>
             <a:r>
-              <a:rPr lang="bg-BG" b="1" dirty="0" smtClean="0"/>
+              <a:rPr lang="bg-BG" b="1" dirty="0"/>
               <a:t> </a:t>
             </a:r>
             <a:r>
-              <a:rPr lang="bg-BG" dirty="0" smtClean="0"/>
+              <a:rPr lang="bg-BG" dirty="0"/>
               <a:t>(Долу)</a:t>
             </a:r>
-            <a:endParaRPr lang="en-US" b="1" dirty="0" smtClean="0"/>
+            <a:endParaRPr lang="en-US" b="1" dirty="0"/>
           </a:p>
           <a:p>
             <a:pPr lvl="1"/>
             <a:r>
-              <a:rPr lang="bg-BG" dirty="0" smtClean="0"/>
-              <a:t>Търси от показалеца на мишката към </a:t>
-            </a:r>
-            <a:r>
-              <a:rPr lang="bg-BG" b="1" dirty="0" smtClean="0"/>
+              <a:rPr lang="bg-BG" dirty="0"/>
+              <a:t>Търси от показалеца на мишката до </a:t>
+            </a:r>
+            <a:r>
+              <a:rPr lang="bg-BG" b="1" dirty="0"/>
               <a:t>края</a:t>
             </a:r>
             <a:r>
-              <a:rPr lang="bg-BG" dirty="0" smtClean="0"/>
+              <a:rPr lang="bg-BG" dirty="0"/>
               <a:t> на документа</a:t>
             </a:r>
           </a:p>
           <a:p>
             <a:r>
-              <a:rPr lang="en-US" b="1" dirty="0" smtClean="0"/>
+              <a:rPr lang="en-US" b="1" dirty="0"/>
               <a:t>Up</a:t>
             </a:r>
             <a:r>
-              <a:rPr lang="bg-BG" b="1" dirty="0" smtClean="0"/>
+              <a:rPr lang="bg-BG" b="1" dirty="0"/>
               <a:t> </a:t>
             </a:r>
             <a:r>
-              <a:rPr lang="bg-BG" dirty="0" smtClean="0"/>
+              <a:rPr lang="bg-BG" dirty="0"/>
               <a:t>(Горе)</a:t>
             </a:r>
             <a:endParaRPr lang="en-US" b="1" dirty="0"/>
@@ -9549,52 +9543,40 @@
             <a:pPr lvl="1"/>
             <a:r>
               <a:rPr lang="bg-BG" dirty="0"/>
-              <a:t>Търси от показалеца </a:t>
-            </a:r>
-            <a:r>
-              <a:rPr lang="bg-BG" dirty="0" smtClean="0"/>
-              <a:t>на мишката към </a:t>
-            </a:r>
-            <a:r>
-              <a:rPr lang="bg-BG" b="1" dirty="0" smtClean="0"/>
+              <a:t>Търси от показалеца на мишката до </a:t>
+            </a:r>
+            <a:r>
+              <a:rPr lang="bg-BG" b="1" dirty="0"/>
               <a:t>началото</a:t>
             </a:r>
             <a:r>
-              <a:rPr lang="bg-BG" dirty="0" smtClean="0"/>
+              <a:rPr lang="bg-BG" dirty="0"/>
+              <a:t> на документа</a:t>
+            </a:r>
+          </a:p>
+          <a:p>
+            <a:r>
+              <a:rPr lang="en-US" b="1" dirty="0"/>
+              <a:t>All</a:t>
+            </a:r>
+            <a:r>
+              <a:rPr lang="bg-BG" b="1" dirty="0"/>
               <a:t> </a:t>
             </a:r>
             <a:r>
               <a:rPr lang="bg-BG" dirty="0"/>
-              <a:t>на </a:t>
-            </a:r>
-            <a:r>
-              <a:rPr lang="bg-BG" dirty="0" smtClean="0"/>
-              <a:t>документа</a:t>
-            </a:r>
-          </a:p>
-          <a:p>
-            <a:r>
-              <a:rPr lang="en-US" b="1" dirty="0" smtClean="0"/>
-              <a:t>All</a:t>
-            </a:r>
-            <a:r>
-              <a:rPr lang="bg-BG" b="1" dirty="0" smtClean="0"/>
-              <a:t> </a:t>
-            </a:r>
-            <a:r>
-              <a:rPr lang="bg-BG" dirty="0" smtClean="0"/>
               <a:t>(Всичко)</a:t>
             </a:r>
-            <a:endParaRPr lang="en-US" b="1" dirty="0" smtClean="0"/>
+            <a:endParaRPr lang="en-US" b="1" dirty="0"/>
           </a:p>
           <a:p>
             <a:pPr lvl="1"/>
             <a:r>
-              <a:rPr lang="bg-BG" dirty="0" smtClean="0"/>
+              <a:rPr lang="bg-BG" dirty="0"/>
               <a:t>Търси в </a:t>
             </a:r>
             <a:r>
-              <a:rPr lang="bg-BG" b="1" dirty="0" smtClean="0"/>
+              <a:rPr lang="bg-BG" b="1" dirty="0"/>
               <a:t>целия документ</a:t>
             </a:r>
           </a:p>
@@ -9670,22 +9652,14 @@
           <a:lstStyle/>
           <a:p>
             <a:r>
-              <a:rPr lang="ru-RU" sz="2800" dirty="0" smtClean="0"/>
-              <a:t>Когато </a:t>
-            </a:r>
-            <a:r>
               <a:rPr lang="ru-RU" sz="2800" dirty="0"/>
-              <a:t>бях по-млад и впечатлителен, моят баща ми даде един съвет, който оттогава все се върти в главата ми.</a:t>
-            </a:r>
-          </a:p>
-          <a:p>
-            <a:r>
-              <a:rPr lang="ru-RU" sz="2800" dirty="0" smtClean="0"/>
-              <a:t>„</a:t>
-            </a:r>
+              <a:t>Когато бях по-млад и впечатлителен, моят баща ми даде един съвет, който оттогава все се върти в главата ми.</a:t>
+            </a:r>
+          </a:p>
+          <a:p>
             <a:r>
               <a:rPr lang="ru-RU" sz="2800" dirty="0"/>
-              <a:t>Почувстваш ли желание да критикуваш някого — ми рече той, — просто си спомни, че не всички хора на този свят са имали преимуществата, които си имал ти.“</a:t>
+              <a:t>„Почувстваш ли желание да критикуваш някого — ми рече той, — просто си спомни, че не всички хора на този свят са имали преимуществата, които си имал ти.“</a:t>
             </a:r>
           </a:p>
         </p:txBody>
@@ -9739,8 +9713,8 @@
         </p:nvSpPr>
         <p:spPr bwMode="auto">
           <a:xfrm>
-            <a:off x="5421000" y="1854000"/>
-            <a:ext cx="2300680" cy="1125000"/>
+            <a:off x="5556000" y="1809000"/>
+            <a:ext cx="2165680" cy="1260000"/>
           </a:xfrm>
           <a:prstGeom prst="wedgeRoundRectCallout">
             <a:avLst>
@@ -9791,7 +9765,7 @@
           <a:p>
             <a:pPr algn="ctr"/>
             <a:r>
-              <a:rPr lang="bg-BG" sz="2800" b="1" dirty="0">
+              <a:rPr lang="bg-BG" sz="2600" b="1" dirty="0">
                 <a:solidFill>
                   <a:srgbClr val="FFFFFF"/>
                 </a:solidFill>
@@ -9803,10 +9777,10 @@
                   </a:outerShdw>
                 </a:effectLst>
               </a:rPr>
-              <a:t>Търсим "</a:t>
-            </a:r>
-            <a:r>
-              <a:rPr lang="bg-BG" sz="2800" b="1" dirty="0">
+              <a:t>Търсим думата "</a:t>
+            </a:r>
+            <a:r>
+              <a:rPr lang="bg-BG" sz="2600" b="1" dirty="0">
                 <a:solidFill>
                   <a:schemeClr val="bg1">
                     <a:lumMod val="60000"/>
@@ -9824,7 +9798,7 @@
               <a:t>ми</a:t>
             </a:r>
             <a:r>
-              <a:rPr lang="bg-BG" sz="2800" b="1" dirty="0">
+              <a:rPr lang="bg-BG" sz="2600" b="1" dirty="0">
                 <a:solidFill>
                   <a:srgbClr val="FFFFFF"/>
                 </a:solidFill>
@@ -10746,27 +10720,27 @@
           <a:lstStyle/>
           <a:p>
             <a:r>
-              <a:rPr lang="bg-BG" dirty="0" smtClean="0"/>
+              <a:rPr lang="bg-BG" dirty="0"/>
               <a:t>Когато искаме да се отчита разликата между </a:t>
             </a:r>
             <a:r>
-              <a:rPr lang="bg-BG" b="1" dirty="0" smtClean="0"/>
+              <a:rPr lang="bg-BG" b="1" dirty="0"/>
               <a:t>малки</a:t>
             </a:r>
             <a:r>
-              <a:rPr lang="bg-BG" dirty="0" smtClean="0"/>
+              <a:rPr lang="bg-BG" dirty="0"/>
               <a:t> и </a:t>
             </a:r>
             <a:r>
-              <a:rPr lang="bg-BG" b="1" dirty="0" smtClean="0"/>
+              <a:rPr lang="bg-BG" b="1" dirty="0"/>
               <a:t>главни букви</a:t>
             </a:r>
             <a:r>
-              <a:rPr lang="bg-BG" dirty="0" smtClean="0"/>
+              <a:rPr lang="bg-BG" dirty="0"/>
               <a:t>, се използва отметката </a:t>
             </a:r>
             <a:r>
-              <a:rPr lang="en-US" b="1" dirty="0" smtClean="0">
+              <a:rPr lang="en-US" b="1" dirty="0">
                 <a:solidFill>
                   <a:schemeClr val="bg1"/>
                 </a:solidFill>
@@ -10777,27 +10751,27 @@
           <a:p>
             <a:pPr lvl="1"/>
             <a:r>
-              <a:rPr lang="bg-BG" dirty="0" smtClean="0"/>
+              <a:rPr lang="bg-BG" dirty="0"/>
               <a:t>По подразбиране </a:t>
             </a:r>
             <a:r>
-              <a:rPr lang="bg-BG" b="1" dirty="0" smtClean="0"/>
+              <a:rPr lang="bg-BG" b="1" dirty="0"/>
               <a:t>големите букви </a:t>
             </a:r>
             <a:r>
-              <a:rPr lang="bg-BG" dirty="0" smtClean="0"/>
+              <a:rPr lang="bg-BG" dirty="0"/>
               <a:t>се </a:t>
             </a:r>
             <a:r>
-              <a:rPr lang="bg-BG" b="1" dirty="0" smtClean="0"/>
+              <a:rPr lang="bg-BG" b="1" dirty="0"/>
               <a:t>считат</a:t>
             </a:r>
             <a:r>
-              <a:rPr lang="bg-BG" dirty="0" smtClean="0"/>
+              <a:rPr lang="bg-BG" dirty="0"/>
               <a:t> за </a:t>
             </a:r>
             <a:r>
-              <a:rPr lang="bg-BG" b="1" dirty="0" smtClean="0"/>
+              <a:rPr lang="bg-BG" b="1" dirty="0"/>
               <a:t>малки</a:t>
             </a:r>
             <a:endParaRPr lang="bg-BG" dirty="0"/>
@@ -10828,11 +10802,11 @@
               <a:t> – </a:t>
             </a:r>
             <a:r>
-              <a:rPr lang="en-US" dirty="0" smtClean="0"/>
+              <a:rPr lang="en-US" dirty="0"/>
               <a:t>Match case</a:t>
             </a:r>
             <a:r>
-              <a:rPr lang="bg-BG" dirty="0" smtClean="0"/>
+              <a:rPr lang="bg-BG" dirty="0"/>
               <a:t> </a:t>
             </a:r>
             <a:endParaRPr lang="en-US" dirty="0"/>
@@ -10887,30 +10861,10 @@
             </a:pPr>
             <a:r>
               <a:rPr lang="ru-RU" sz="2800" dirty="0"/>
-              <a:t>В градината на баба, </a:t>
-            </a:r>
-            <a:r>
-              <a:rPr lang="ru-RU" sz="2800" dirty="0" smtClean="0"/>
-              <a:t>сред </a:t>
-            </a:r>
-            <a:r>
-              <a:rPr lang="ru-RU" sz="2800" dirty="0"/>
-              <a:t>високите дървета и пъстрите цветя, имаше едно малко ябълково дърво. </a:t>
-            </a:r>
-            <a:r>
-              <a:rPr lang="ru-RU" sz="2800" dirty="0" smtClean="0"/>
-              <a:t>Баба </a:t>
-            </a:r>
-            <a:r>
-              <a:rPr lang="ru-RU" sz="2800" dirty="0"/>
-              <a:t>винаги казваше, че това ябълково дърво е засадено от дядо, когато те за първи път се нанесли в </a:t>
-            </a:r>
-            <a:r>
-              <a:rPr lang="ru-RU" sz="2800" dirty="0" smtClean="0"/>
-              <a:t>къщата</a:t>
-            </a:r>
-            <a:r>
-              <a:rPr lang="en-US" sz="2800" dirty="0" smtClean="0"/>
+              <a:t>В градината на баба, сред високите дървета и пъстрите цветя, имаше едно малко ябълково дърво. Баба винаги казваше, че това ябълково дърво е засадено от дядо, когато те за първи път се нанесли в къщата</a:t>
+            </a:r>
+            <a:r>
+              <a:rPr lang="en-US" sz="2800" dirty="0"/>
               <a:t>.</a:t>
             </a:r>
             <a:endParaRPr lang="en-US" sz="3600" dirty="0"/>
@@ -10989,25 +10943,10 @@
                   </a:outerShdw>
                 </a:effectLst>
               </a:rPr>
-              <a:t>Търсим </a:t>
-            </a:r>
-            <a:r>
-              <a:rPr lang="bg-BG" sz="2800" b="1" dirty="0" smtClean="0">
-                <a:solidFill>
-                  <a:srgbClr val="FFFFFF"/>
-                </a:solidFill>
-                <a:effectLst>
-                  <a:outerShdw blurRad="38100" dist="38100" dir="2700000" algn="tl">
-                    <a:srgbClr val="000000">
-                      <a:alpha val="43137"/>
-                    </a:srgbClr>
-                  </a:outerShdw>
-                </a:effectLst>
-              </a:rPr>
-              <a:t>"</a:t>
-            </a:r>
-            <a:r>
-              <a:rPr lang="bg-BG" sz="2800" b="1" dirty="0" smtClean="0">
+              <a:t>Търсим "</a:t>
+            </a:r>
+            <a:r>
+              <a:rPr lang="bg-BG" sz="2800" b="1" dirty="0">
                 <a:solidFill>
                   <a:schemeClr val="bg1">
                     <a:lumMod val="60000"/>
@@ -11025,21 +10964,6 @@
               <a:t>баба</a:t>
             </a:r>
             <a:r>
-              <a:rPr lang="bg-BG" sz="2800" b="1" dirty="0" smtClean="0">
-                <a:solidFill>
-                  <a:srgbClr val="FFFFFF"/>
-                </a:solidFill>
-                <a:effectLst>
-                  <a:outerShdw blurRad="38100" dist="38100" dir="2700000" algn="tl">
-                    <a:srgbClr val="000000">
-                      <a:alpha val="43137"/>
-                    </a:srgbClr>
-                  </a:outerShdw>
-                </a:effectLst>
-              </a:rPr>
-              <a:t>" </a:t>
-            </a:r>
-            <a:r>
               <a:rPr lang="bg-BG" sz="2800" b="1" dirty="0">
                 <a:solidFill>
                   <a:srgbClr val="FFFFFF"/>
@@ -11052,7 +10976,7 @@
                   </a:outerShdw>
                 </a:effectLst>
               </a:rPr>
-              <a:t>в текста</a:t>
+              <a:t>" в текста</a:t>
             </a:r>
           </a:p>
         </p:txBody>
@@ -11095,10 +11019,9 @@
               <a:buSzPct val="70000"/>
             </a:pPr>
             <a:r>
-              <a:rPr lang="en-US" sz="3600" b="1" dirty="0" smtClean="0"/>
+              <a:rPr lang="en-US" sz="3600" b="1" dirty="0"/>
               <a:t>Match case</a:t>
             </a:r>
-            <a:endParaRPr lang="en-US" sz="3600" b="1" dirty="0"/>
           </a:p>
         </p:txBody>
       </p:sp>
@@ -11753,11 +11676,11 @@
           <a:lstStyle/>
           <a:p>
             <a:r>
-              <a:rPr lang="bg-BG" dirty="0" smtClean="0"/>
+              <a:rPr lang="bg-BG" dirty="0"/>
               <a:t>Отметката </a:t>
             </a:r>
             <a:r>
-              <a:rPr lang="en-US" b="1" dirty="0" smtClean="0">
+              <a:rPr lang="en-US" b="1" dirty="0">
                 <a:solidFill>
                   <a:schemeClr val="bg1"/>
                 </a:solidFill>
@@ -11765,11 +11688,11 @@
               <a:t>Find whole words only </a:t>
             </a:r>
             <a:r>
-              <a:rPr lang="bg-BG" dirty="0" smtClean="0"/>
+              <a:rPr lang="bg-BG" dirty="0"/>
               <a:t>води до търсенето само на </a:t>
             </a:r>
             <a:r>
-              <a:rPr lang="bg-BG" b="1" dirty="0" smtClean="0"/>
+              <a:rPr lang="bg-BG" b="1" dirty="0"/>
               <a:t>цели думу</a:t>
             </a:r>
             <a:endParaRPr lang="en-US" b="1" dirty="0"/>
@@ -11797,11 +11720,7 @@
             </a:r>
             <a:r>
               <a:rPr lang="bg-BG" dirty="0"/>
-              <a:t> – </a:t>
-            </a:r>
-            <a:r>
-              <a:rPr lang="en-US" dirty="0" smtClean="0"/>
-              <a:t>Find whole words only</a:t>
+              <a:t> – търсене на цяла дума</a:t>
             </a:r>
             <a:endParaRPr lang="en-US" dirty="0"/>
           </a:p>
@@ -11845,10 +11764,9 @@
               <a:buSzPct val="70000"/>
             </a:pPr>
             <a:r>
-              <a:rPr lang="en-US" sz="3600" b="1" dirty="0" smtClean="0"/>
+              <a:rPr lang="en-US" sz="3600" b="1" dirty="0"/>
               <a:t>Find whole words only</a:t>
             </a:r>
-            <a:endParaRPr lang="en-US" sz="3600" b="1" dirty="0"/>
           </a:p>
         </p:txBody>
       </p:sp>
@@ -12020,25 +11938,10 @@
                   </a:outerShdw>
                 </a:effectLst>
               </a:rPr>
-              <a:t>Търсим </a:t>
-            </a:r>
-            <a:r>
-              <a:rPr lang="bg-BG" sz="2800" b="1" dirty="0" smtClean="0">
-                <a:solidFill>
-                  <a:srgbClr val="FFFFFF"/>
-                </a:solidFill>
-                <a:effectLst>
-                  <a:outerShdw blurRad="38100" dist="38100" dir="2700000" algn="tl">
-                    <a:srgbClr val="000000">
-                      <a:alpha val="43137"/>
-                    </a:srgbClr>
-                  </a:outerShdw>
-                </a:effectLst>
-              </a:rPr>
-              <a:t>"</a:t>
-            </a:r>
-            <a:r>
-              <a:rPr lang="bg-BG" sz="2800" b="1" dirty="0" smtClean="0">
+              <a:t>Търсим "</a:t>
+            </a:r>
+            <a:r>
+              <a:rPr lang="bg-BG" sz="2800" b="1" dirty="0">
                 <a:solidFill>
                   <a:schemeClr val="bg1">
                     <a:lumMod val="60000"/>
@@ -12056,21 +11959,6 @@
               <a:t>лято</a:t>
             </a:r>
             <a:r>
-              <a:rPr lang="bg-BG" sz="2800" b="1" dirty="0" smtClean="0">
-                <a:solidFill>
-                  <a:srgbClr val="FFFFFF"/>
-                </a:solidFill>
-                <a:effectLst>
-                  <a:outerShdw blurRad="38100" dist="38100" dir="2700000" algn="tl">
-                    <a:srgbClr val="000000">
-                      <a:alpha val="43137"/>
-                    </a:srgbClr>
-                  </a:outerShdw>
-                </a:effectLst>
-              </a:rPr>
-              <a:t>" </a:t>
-            </a:r>
-            <a:r>
               <a:rPr lang="bg-BG" sz="2800" b="1" dirty="0">
                 <a:solidFill>
                   <a:srgbClr val="FFFFFF"/>
@@ -12083,7 +11971,7 @@
                   </a:outerShdw>
                 </a:effectLst>
               </a:rPr>
-              <a:t>в текста</a:t>
+              <a:t>" в текста</a:t>
             </a:r>
           </a:p>
         </p:txBody>
@@ -12423,10 +12311,9 @@
           <a:lstStyle/>
           <a:p>
             <a:r>
-              <a:rPr lang="bg-BG" dirty="0" smtClean="0"/>
-              <a:t>ТОДО</a:t>
-            </a:r>
-            <a:endParaRPr lang="en-US" dirty="0"/>
+              <a:rPr lang="en-US" dirty="0"/>
+              <a:t>Find and replace</a:t>
+            </a:r>
           </a:p>
         </p:txBody>
       </p:sp>
@@ -12447,11 +12334,7 @@
           <a:p>
             <a:r>
               <a:rPr lang="bg-BG" dirty="0"/>
-              <a:t>͏Замяна на </a:t>
-            </a:r>
-            <a:r>
-              <a:rPr lang="bg-BG" dirty="0" smtClean="0"/>
-              <a:t>текст</a:t>
+              <a:t>͏Замяна на текст</a:t>
             </a:r>
             <a:endParaRPr lang="en-US" dirty="0"/>
           </a:p>
@@ -12465,7 +12348,7 @@
           </p:cNvPicPr>
           <p:nvPr/>
         </p:nvPicPr>
-        <p:blipFill>
+        <p:blipFill rotWithShape="1">
           <a:blip r:embed="rId2">
             <a:extLst>
               <a:ext uri="{28A0092B-C50C-407E-A947-70E740481C1C}">
@@ -12473,14 +12356,13 @@
               </a:ext>
             </a:extLst>
           </a:blip>
-          <a:stretch>
-            <a:fillRect/>
-          </a:stretch>
+          <a:srcRect l="14777" t="15217" r="16264" b="23917"/>
+          <a:stretch/>
         </p:blipFill>
         <p:spPr>
           <a:xfrm>
-            <a:off x="4836000" y="1314000"/>
-            <a:ext cx="2740763" cy="2957289"/>
+            <a:off x="4791000" y="1359000"/>
+            <a:ext cx="2699999" cy="2571428"/>
           </a:xfrm>
           <a:prstGeom prst="rect">
             <a:avLst/>
@@ -12505,13 +12387,6 @@
       <p:transition spd="slow" advClick="0" advTm="5000"/>
     </mc:Fallback>
   </mc:AlternateContent>
-  <p:timing>
-    <p:tnLst>
-      <p:par>
-        <p:cTn id="1" dur="indefinite" restart="never" nodeType="tmRoot"/>
-      </p:par>
-    </p:tnLst>
-  </p:timing>
 </p:sld>
 </file>
 
@@ -12645,7 +12520,7 @@
           <a:p>
             <a:pPr algn="ctr"/>
             <a:r>
-              <a:rPr lang="bg-BG" sz="2800" b="1" dirty="0" smtClean="0">
+              <a:rPr lang="bg-BG" sz="2800" b="1" dirty="0">
                 <a:solidFill>
                   <a:srgbClr val="FFFFFF"/>
                 </a:solidFill>
@@ -12660,7 +12535,7 @@
               <a:t>За да заменим текст в </a:t>
             </a:r>
             <a:r>
-              <a:rPr lang="en-US" sz="2800" b="1" dirty="0" smtClean="0">
+              <a:rPr lang="en-US" sz="2800" b="1" dirty="0">
                 <a:solidFill>
                   <a:srgbClr val="FFFFFF"/>
                 </a:solidFill>
@@ -12675,7 +12550,7 @@
               <a:t>Word,</a:t>
             </a:r>
             <a:r>
-              <a:rPr lang="bg-BG" sz="2800" b="1" dirty="0" smtClean="0">
+              <a:rPr lang="bg-BG" sz="2800" b="1" dirty="0">
                 <a:solidFill>
                   <a:srgbClr val="FFFFFF"/>
                 </a:solidFill>
@@ -12690,7 +12565,7 @@
               <a:t> избираме </a:t>
             </a:r>
             <a:r>
-              <a:rPr lang="en-US" sz="2800" b="1" dirty="0" smtClean="0">
+              <a:rPr lang="en-US" sz="2800" b="1" dirty="0">
                 <a:solidFill>
                   <a:schemeClr val="bg1">
                     <a:lumMod val="60000"/>
@@ -12708,7 +12583,7 @@
               <a:t>Replace</a:t>
             </a:r>
             <a:r>
-              <a:rPr lang="en-US" sz="2800" b="1" dirty="0" smtClean="0">
+              <a:rPr lang="en-US" sz="2800" b="1" dirty="0">
                 <a:solidFill>
                   <a:srgbClr val="FFFFFF"/>
                 </a:solidFill>
@@ -12723,7 +12598,7 @@
               <a:t> </a:t>
             </a:r>
             <a:r>
-              <a:rPr lang="bg-BG" sz="2800" b="1" dirty="0" smtClean="0">
+              <a:rPr lang="bg-BG" sz="2800" b="1" dirty="0">
                 <a:solidFill>
                   <a:srgbClr val="FFFFFF"/>
                 </a:solidFill>
@@ -12738,7 +12613,7 @@
               <a:t>в </a:t>
             </a:r>
             <a:r>
-              <a:rPr lang="en-US" sz="2800" b="1" dirty="0" smtClean="0">
+              <a:rPr lang="en-US" sz="2800" b="1" dirty="0">
                 <a:solidFill>
                   <a:srgbClr val="FFFFFF"/>
                 </a:solidFill>
@@ -12753,7 +12628,7 @@
               <a:t>Editing </a:t>
             </a:r>
             <a:r>
-              <a:rPr lang="bg-BG" sz="2800" b="1" dirty="0" smtClean="0">
+              <a:rPr lang="bg-BG" sz="2800" b="1" dirty="0">
                 <a:solidFill>
                   <a:srgbClr val="FFFFFF"/>
                 </a:solidFill>
@@ -12873,21 +12748,6 @@
           <a:p>
             <a:pPr algn="ctr"/>
             <a:r>
-              <a:rPr lang="bg-BG" sz="2800" b="1" dirty="0" smtClean="0">
-                <a:solidFill>
-                  <a:srgbClr val="FFFFFF"/>
-                </a:solidFill>
-                <a:effectLst>
-                  <a:outerShdw blurRad="38100" dist="38100" dir="2700000" algn="tl">
-                    <a:srgbClr val="000000">
-                      <a:alpha val="43137"/>
-                    </a:srgbClr>
-                  </a:outerShdw>
-                </a:effectLst>
-              </a:rPr>
-              <a:t>Така се отваря познатият </a:t>
-            </a:r>
-            <a:r>
               <a:rPr lang="bg-BG" sz="2800" b="1" dirty="0">
                 <a:solidFill>
                   <a:srgbClr val="FFFFFF"/>
@@ -12900,7 +12760,7 @@
                   </a:outerShdw>
                 </a:effectLst>
               </a:rPr>
-              <a:t>ни диалогов прозорец </a:t>
+              <a:t>Така се отваря познатият ни диалогов прозорец </a:t>
             </a:r>
             <a:r>
               <a:rPr lang="en-US" sz="2800" b="1" dirty="0">
@@ -13007,25 +12867,10 @@
                   </a:outerShdw>
                 </a:effectLst>
               </a:rPr>
-              <a:t>З</a:t>
-            </a:r>
-            <a:r>
-              <a:rPr lang="bg-BG" sz="2800" b="1" dirty="0" smtClean="0">
-                <a:solidFill>
-                  <a:srgbClr val="FFFFFF"/>
-                </a:solidFill>
-                <a:effectLst>
-                  <a:outerShdw blurRad="38100" dist="38100" dir="2700000" algn="tl">
-                    <a:srgbClr val="000000">
-                      <a:alpha val="43137"/>
-                    </a:srgbClr>
-                  </a:outerShdw>
-                </a:effectLst>
-              </a:rPr>
-              <a:t>а разлика от търсенето на текст</a:t>
-            </a:r>
-            <a:r>
-              <a:rPr lang="en-US" sz="2800" b="1" dirty="0" smtClean="0">
+              <a:t>За разлика от търсенето на текст</a:t>
+            </a:r>
+            <a:r>
+              <a:rPr lang="en-US" sz="2800" b="1" dirty="0">
                 <a:solidFill>
                   <a:srgbClr val="FFFFFF"/>
                 </a:solidFill>
@@ -13040,7 +12885,7 @@
               <a:t>,</a:t>
             </a:r>
             <a:r>
-              <a:rPr lang="bg-BG" sz="2800" b="1" dirty="0" smtClean="0">
+              <a:rPr lang="bg-BG" sz="2800" b="1" dirty="0">
                 <a:solidFill>
                   <a:srgbClr val="FFFFFF"/>
                 </a:solidFill>
@@ -13055,7 +12900,7 @@
               <a:t> работим в раздела </a:t>
             </a:r>
             <a:r>
-              <a:rPr lang="en-US" sz="2800" b="1" dirty="0" smtClean="0">
+              <a:rPr lang="en-US" sz="2800" b="1" dirty="0">
                 <a:solidFill>
                   <a:schemeClr val="bg1">
                     <a:lumMod val="60000"/>
@@ -13073,7 +12918,7 @@
               <a:t>Replace</a:t>
             </a:r>
             <a:r>
-              <a:rPr lang="bg-BG" sz="2800" b="1" dirty="0" smtClean="0">
+              <a:rPr lang="bg-BG" sz="2800" b="1" dirty="0">
                 <a:solidFill>
                   <a:srgbClr val="FFFFFF"/>
                 </a:solidFill>
@@ -13486,7 +13331,7 @@
           <a:p>
             <a:pPr algn="ctr"/>
             <a:r>
-              <a:rPr lang="bg-BG" sz="2800" b="1" dirty="0" smtClean="0">
+              <a:rPr lang="bg-BG" sz="2800" b="1" dirty="0">
                 <a:solidFill>
                   <a:srgbClr val="FFFFFF"/>
                 </a:solidFill>
@@ -13501,7 +13346,7 @@
               <a:t>В полето </a:t>
             </a:r>
             <a:r>
-              <a:rPr lang="en-US" sz="2800" b="1" dirty="0" smtClean="0">
+              <a:rPr lang="en-US" sz="2800" b="1" dirty="0">
                 <a:solidFill>
                   <a:schemeClr val="bg1">
                     <a:lumMod val="60000"/>
@@ -13519,7 +13364,7 @@
               <a:t>Find what </a:t>
             </a:r>
             <a:r>
-              <a:rPr lang="bg-BG" sz="2800" b="1" dirty="0" smtClean="0">
+              <a:rPr lang="bg-BG" sz="2800" b="1" dirty="0">
                 <a:solidFill>
                   <a:srgbClr val="FFFFFF"/>
                 </a:solidFill>
@@ -13608,7 +13453,7 @@
           <a:p>
             <a:pPr algn="ctr"/>
             <a:r>
-              <a:rPr lang="bg-BG" sz="2800" b="1" dirty="0" smtClean="0">
+              <a:rPr lang="bg-BG" sz="2800" b="1" dirty="0">
                 <a:solidFill>
                   <a:srgbClr val="FFFFFF"/>
                 </a:solidFill>
@@ -13623,7 +13468,7 @@
               <a:t>А в </a:t>
             </a:r>
             <a:r>
-              <a:rPr lang="en-US" sz="2800" b="1" dirty="0" smtClean="0">
+              <a:rPr lang="en-US" sz="2800" b="1" dirty="0">
                 <a:solidFill>
                   <a:schemeClr val="bg1">
                     <a:lumMod val="60000"/>
@@ -13641,7 +13486,7 @@
               <a:t>Replace with</a:t>
             </a:r>
             <a:r>
-              <a:rPr lang="en-US" sz="2800" b="1" dirty="0" smtClean="0">
+              <a:rPr lang="en-US" sz="2800" b="1" dirty="0">
                 <a:solidFill>
                   <a:srgbClr val="FFFFFF"/>
                 </a:solidFill>
@@ -13656,7 +13501,7 @@
               <a:t> </a:t>
             </a:r>
             <a:r>
-              <a:rPr lang="bg-BG" sz="2800" b="1" dirty="0" smtClean="0">
+              <a:rPr lang="bg-BG" sz="2800" b="1" dirty="0">
                 <a:solidFill>
                   <a:srgbClr val="FFFFFF"/>
                 </a:solidFill>
@@ -13745,7 +13590,7 @@
           <a:p>
             <a:pPr algn="ctr"/>
             <a:r>
-              <a:rPr lang="bg-BG" sz="2800" b="1" dirty="0" smtClean="0">
+              <a:rPr lang="bg-BG" sz="2800" b="1" dirty="0">
                 <a:solidFill>
                   <a:srgbClr val="FFFFFF"/>
                 </a:solidFill>
@@ -13760,7 +13605,22 @@
               <a:t>Ако изберем </a:t>
             </a:r>
             <a:r>
-              <a:rPr lang="en-US" sz="2800" b="1" dirty="0" smtClean="0">
+              <a:rPr lang="en-US" sz="2800" b="1" dirty="0">
+                <a:solidFill>
+                  <a:srgbClr val="FFFFFF"/>
+                </a:solidFill>
+                <a:effectLst>
+                  <a:outerShdw blurRad="38100" dist="38100" dir="2700000" algn="tl">
+                    <a:srgbClr val="000000">
+                      <a:alpha val="43137"/>
+                    </a:srgbClr>
+                  </a:outerShdw>
+                </a:effectLst>
+              </a:rPr>
+              <a:t>[</a:t>
+            </a:r>
+            <a:r>
+              <a:rPr lang="en-US" sz="2800" b="1" dirty="0">
                 <a:solidFill>
                   <a:schemeClr val="bg1">
                     <a:lumMod val="60000"/>
@@ -13778,7 +13638,7 @@
               <a:t>Replace</a:t>
             </a:r>
             <a:r>
-              <a:rPr lang="bg-BG" sz="2800" b="1" dirty="0" smtClean="0">
+              <a:rPr lang="en-US" sz="2800" b="1" dirty="0">
                 <a:solidFill>
                   <a:srgbClr val="FFFFFF"/>
                 </a:solidFill>
@@ -13790,7 +13650,55 @@
                   </a:outerShdw>
                 </a:effectLst>
               </a:rPr>
-              <a:t>, заменяме само първото съвпадение на търсения текст</a:t>
+              <a:t>]</a:t>
+            </a:r>
+            <a:r>
+              <a:rPr lang="bg-BG" sz="2800" b="1" dirty="0">
+                <a:solidFill>
+                  <a:srgbClr val="FFFFFF"/>
+                </a:solidFill>
+                <a:effectLst>
+                  <a:outerShdw blurRad="38100" dist="38100" dir="2700000" algn="tl">
+                    <a:srgbClr val="000000">
+                      <a:alpha val="43137"/>
+                    </a:srgbClr>
+                  </a:outerShdw>
+                </a:effectLst>
+              </a:rPr>
+              <a:t>, заменяме само </a:t>
+            </a:r>
+            <a:r>
+              <a:rPr lang="bg-BG" sz="2800" b="1" dirty="0">
+                <a:solidFill>
+                  <a:schemeClr val="bg1">
+                    <a:lumMod val="60000"/>
+                    <a:lumOff val="40000"/>
+                  </a:schemeClr>
+                </a:solidFill>
+                <a:effectLst>
+                  <a:outerShdw blurRad="38100" dist="38100" dir="2700000" algn="tl">
+                    <a:srgbClr val="000000">
+                      <a:alpha val="43137"/>
+                    </a:srgbClr>
+                  </a:outerShdw>
+                </a:effectLst>
+              </a:rPr>
+              <a:t>първото съвпадение </a:t>
+            </a:r>
+            <a:r>
+              <a:rPr lang="bg-BG" sz="2800" b="1" dirty="0">
+                <a:solidFill>
+                  <a:srgbClr val="FFFFFF"/>
+                </a:solidFill>
+                <a:effectLst>
+                  <a:outerShdw blurRad="38100" dist="38100" dir="2700000" algn="tl">
+                    <a:srgbClr val="000000">
+                      <a:alpha val="43137"/>
+                    </a:srgbClr>
+                  </a:outerShdw>
+                </a:effectLst>
+              </a:rPr>
+              <a:t>на търсения текст</a:t>
             </a:r>
             <a:endParaRPr lang="en-US" sz="2800" b="1" dirty="0">
               <a:solidFill>
@@ -13867,7 +13775,22 @@
           <a:p>
             <a:pPr algn="ctr"/>
             <a:r>
-              <a:rPr lang="en-US" sz="2800" b="1" dirty="0" smtClean="0">
+              <a:rPr lang="en-US" sz="2800" b="1" dirty="0">
+                <a:solidFill>
+                  <a:srgbClr val="FFFFFF"/>
+                </a:solidFill>
+                <a:effectLst>
+                  <a:outerShdw blurRad="38100" dist="38100" dir="2700000" algn="tl">
+                    <a:srgbClr val="000000">
+                      <a:alpha val="43137"/>
+                    </a:srgbClr>
+                  </a:outerShdw>
+                </a:effectLst>
+              </a:rPr>
+              <a:t>[</a:t>
+            </a:r>
+            <a:r>
+              <a:rPr lang="en-US" sz="2800" b="1" dirty="0">
                 <a:solidFill>
                   <a:schemeClr val="bg1">
                     <a:lumMod val="60000"/>
@@ -13882,10 +13805,25 @@
                   </a:outerShdw>
                 </a:effectLst>
               </a:rPr>
-              <a:t>Replace All </a:t>
-            </a:r>
-            <a:r>
-              <a:rPr lang="bg-BG" sz="2800" b="1" dirty="0" smtClean="0">
+              <a:t>Replace All</a:t>
+            </a:r>
+            <a:r>
+              <a:rPr lang="en-US" sz="2800" b="1" dirty="0">
+                <a:solidFill>
+                  <a:srgbClr val="FFFFFF"/>
+                </a:solidFill>
+                <a:effectLst>
+                  <a:outerShdw blurRad="38100" dist="38100" dir="2700000" algn="tl">
+                    <a:srgbClr val="000000">
+                      <a:alpha val="43137"/>
+                    </a:srgbClr>
+                  </a:outerShdw>
+                </a:effectLst>
+              </a:rPr>
+              <a:t>] </a:t>
+            </a:r>
+            <a:r>
+              <a:rPr lang="bg-BG" sz="2800" b="1" dirty="0">
                 <a:solidFill>
                   <a:srgbClr val="FFFFFF"/>
                 </a:solidFill>
@@ -14319,39 +14257,39 @@
           <a:lstStyle/>
           <a:p>
             <a:r>
-              <a:rPr lang="bg-BG" dirty="0" smtClean="0"/>
+              <a:rPr lang="bg-BG" dirty="0"/>
               <a:t>͏</a:t>
             </a:r>
             <a:r>
-              <a:rPr lang="bg-BG" b="1" dirty="0" smtClean="0"/>
+              <a:rPr lang="bg-BG" b="1" dirty="0"/>
               <a:t>Търсене</a:t>
             </a:r>
             <a:r>
-              <a:rPr lang="bg-BG" dirty="0" smtClean="0"/>
+              <a:rPr lang="bg-BG" dirty="0"/>
               <a:t> на текст</a:t>
             </a:r>
           </a:p>
           <a:p>
             <a:r>
-              <a:rPr lang="bg-BG" dirty="0" smtClean="0"/>
+              <a:rPr lang="bg-BG" dirty="0"/>
               <a:t>͏</a:t>
             </a:r>
             <a:r>
-              <a:rPr lang="bg-BG" b="1" dirty="0" smtClean="0"/>
+              <a:rPr lang="bg-BG" b="1" dirty="0"/>
               <a:t>Замяна</a:t>
             </a:r>
             <a:r>
-              <a:rPr lang="bg-BG" dirty="0" smtClean="0"/>
+              <a:rPr lang="bg-BG" dirty="0"/>
               <a:t> на текст</a:t>
             </a:r>
           </a:p>
           <a:p>
             <a:r>
-              <a:rPr lang="bg-BG" dirty="0" smtClean="0"/>
+              <a:rPr lang="bg-BG" dirty="0"/>
               <a:t>Получаване на </a:t>
             </a:r>
             <a:r>
-              <a:rPr lang="bg-BG" b="1" dirty="0" smtClean="0"/>
+              <a:rPr lang="bg-BG" b="1" dirty="0"/>
               <a:t>помощна информация</a:t>
             </a:r>
           </a:p>
@@ -14611,7 +14549,7 @@
         </p:nvSpPr>
         <p:spPr bwMode="auto">
           <a:xfrm>
-            <a:off x="6658500" y="2979000"/>
+            <a:off x="7288500" y="2979000"/>
             <a:ext cx="1102500" cy="405000"/>
           </a:xfrm>
           <a:prstGeom prst="rect">
@@ -14676,7 +14614,7 @@
         </p:nvSpPr>
         <p:spPr bwMode="auto">
           <a:xfrm>
-            <a:off x="921000" y="2979000"/>
+            <a:off x="516000" y="2979000"/>
             <a:ext cx="1035000" cy="405000"/>
           </a:xfrm>
           <a:prstGeom prst="rect">
@@ -14788,8 +14726,8 @@
         </p:nvSpPr>
         <p:spPr>
           <a:xfrm>
-            <a:off x="6546000" y="2863229"/>
-            <a:ext cx="4950000" cy="1510771"/>
+            <a:off x="7176000" y="2863229"/>
+            <a:ext cx="4757030" cy="1510771"/>
           </a:xfrm>
           <a:prstGeom prst="rect">
             <a:avLst/>
@@ -14816,11 +14754,7 @@
           <a:p>
             <a:r>
               <a:rPr lang="ru-RU" sz="2800" dirty="0"/>
-              <a:t>Зимата беше в разгара си по покривите на крайпътните кръчми и </a:t>
-            </a:r>
-            <a:r>
-              <a:rPr lang="ru-RU" sz="2800" dirty="0" smtClean="0"/>
-              <a:t>...</a:t>
+              <a:t>Зимата беше в разгара си по покривите на крайпътните кръчми и ...</a:t>
             </a:r>
             <a:endParaRPr lang="en-US" sz="2800" dirty="0"/>
           </a:p>
@@ -14834,8 +14768,8 @@
         </p:nvSpPr>
         <p:spPr>
           <a:xfrm>
-            <a:off x="786000" y="2863229"/>
-            <a:ext cx="4950000" cy="1510771"/>
+            <a:off x="381000" y="2863229"/>
+            <a:ext cx="4590000" cy="1510771"/>
           </a:xfrm>
           <a:prstGeom prst="rect">
             <a:avLst/>
@@ -14861,16 +14795,8 @@
           <a:lstStyle/>
           <a:p>
             <a:r>
-              <a:rPr lang="ru-RU" sz="2800" dirty="0" smtClean="0"/>
-              <a:t>Лятото </a:t>
-            </a:r>
-            <a:r>
               <a:rPr lang="ru-RU" sz="2800" dirty="0"/>
-              <a:t>беше в разгара си по покривите на крайпътните кръчми и </a:t>
-            </a:r>
-            <a:r>
-              <a:rPr lang="ru-RU" sz="2800" dirty="0" smtClean="0"/>
-              <a:t>...</a:t>
+              <a:t>Лятото беше в разгара си по покривите на крайпътните кръчми и ...</a:t>
             </a:r>
             <a:endParaRPr lang="en-US" sz="2800" dirty="0"/>
           </a:p>
@@ -14879,13 +14805,15 @@
       <p:cxnSp>
         <p:nvCxnSpPr>
           <p:cNvPr id="9" name="Straight Arrow Connector 8"/>
-          <p:cNvCxnSpPr/>
+          <p:cNvCxnSpPr>
+            <a:cxnSpLocks/>
+          </p:cNvCxnSpPr>
           <p:nvPr/>
         </p:nvCxnSpPr>
         <p:spPr>
           <a:xfrm>
-            <a:off x="5826000" y="3654000"/>
-            <a:ext cx="630000" cy="0"/>
+            <a:off x="5151000" y="3699000"/>
+            <a:ext cx="1845000" cy="0"/>
           </a:xfrm>
           <a:prstGeom prst="straightConnector1">
             <a:avLst/>
@@ -14909,6 +14837,57 @@
           </a:fontRef>
         </p:style>
       </p:cxnSp>
+      <p:sp>
+        <p:nvSpPr>
+          <p:cNvPr id="5" name="TextBox 4">
+            <a:extLst>
+              <a:ext uri="{FF2B5EF4-FFF2-40B4-BE49-F238E27FC236}">
+                <a16:creationId xmlns:a16="http://schemas.microsoft.com/office/drawing/2014/main" id="{650ABBC3-F938-8C99-DA1D-22DB455CA65E}"/>
+              </a:ext>
+            </a:extLst>
+          </p:cNvPr>
+          <p:cNvSpPr txBox="1"/>
+          <p:nvPr/>
+        </p:nvSpPr>
+        <p:spPr>
+          <a:xfrm>
+            <a:off x="4961425" y="3009053"/>
+            <a:ext cx="2179150" cy="571861"/>
+          </a:xfrm>
+          <a:prstGeom prst="rect">
+            <a:avLst/>
+          </a:prstGeom>
+          <a:noFill/>
+          <a:ln w="12700">
+            <a:noFill/>
+          </a:ln>
+        </p:spPr>
+        <p:txBody>
+          <a:bodyPr vert="horz" wrap="none" lIns="144000" tIns="108000" rIns="144000" bIns="108000" rtlCol="0">
+            <a:spAutoFit/>
+          </a:bodyPr>
+          <a:lstStyle/>
+          <a:p>
+            <a:pPr algn="l" eaLnBrk="0" hangingPunct="0">
+              <a:lnSpc>
+                <a:spcPct val="110000"/>
+              </a:lnSpc>
+              <a:buClr>
+                <a:schemeClr val="accent5">
+                  <a:lumMod val="40000"/>
+                  <a:lumOff val="60000"/>
+                </a:schemeClr>
+              </a:buClr>
+              <a:buSzPct val="70000"/>
+            </a:pPr>
+            <a:r>
+              <a:rPr lang="en-US" sz="2200" dirty="0"/>
+              <a:t>Find and replace</a:t>
+            </a:r>
+            <a:endParaRPr lang="bg-BG" sz="2200" dirty="0"/>
+          </a:p>
+        </p:txBody>
+      </p:sp>
     </p:spTree>
     <p:extLst>
       <p:ext uri="{BB962C8B-B14F-4D97-AF65-F5344CB8AC3E}">
@@ -15019,6 +14998,33 @@
                                   </p:childTnLst>
                                 </p:cTn>
                               </p:par>
+                              <p:par>
+                                <p:cTn id="11" presetID="1" presetClass="entr" presetSubtype="0" fill="hold" grpId="0" nodeType="withEffect">
+                                  <p:stCondLst>
+                                    <p:cond delay="0"/>
+                                  </p:stCondLst>
+                                  <p:childTnLst>
+                                    <p:set>
+                                      <p:cBhvr>
+                                        <p:cTn id="12" dur="1" fill="hold">
+                                          <p:stCondLst>
+                                            <p:cond delay="0"/>
+                                          </p:stCondLst>
+                                        </p:cTn>
+                                        <p:tgtEl>
+                                          <p:spTgt spid="5"/>
+                                        </p:tgtEl>
+                                        <p:attrNameLst>
+                                          <p:attrName>style.visibility</p:attrName>
+                                        </p:attrNameLst>
+                                      </p:cBhvr>
+                                      <p:to>
+                                        <p:strVal val="visible"/>
+                                      </p:to>
+                                    </p:set>
+                                  </p:childTnLst>
+                                </p:cTn>
+                              </p:par>
                             </p:childTnLst>
                           </p:cTn>
                         </p:par>
@@ -15026,26 +15032,26 @@
                     </p:cTn>
                   </p:par>
                   <p:par>
-                    <p:cTn id="11" fill="hold">
+                    <p:cTn id="13" fill="hold">
                       <p:stCondLst>
                         <p:cond delay="indefinite"/>
                       </p:stCondLst>
                       <p:childTnLst>
                         <p:par>
-                          <p:cTn id="12" fill="hold">
+                          <p:cTn id="14" fill="hold">
                             <p:stCondLst>
                               <p:cond delay="0"/>
                             </p:stCondLst>
                             <p:childTnLst>
                               <p:par>
-                                <p:cTn id="13" presetID="1" presetClass="entr" presetSubtype="0" fill="hold" grpId="0" nodeType="clickEffect">
+                                <p:cTn id="15" presetID="1" presetClass="entr" presetSubtype="0" fill="hold" grpId="0" nodeType="clickEffect">
                                   <p:stCondLst>
                                     <p:cond delay="0"/>
                                   </p:stCondLst>
                                   <p:childTnLst>
                                     <p:set>
                                       <p:cBhvr>
-                                        <p:cTn id="14" dur="1" fill="hold">
+                                        <p:cTn id="16" dur="1" fill="hold">
                                           <p:stCondLst>
                                             <p:cond delay="0"/>
                                           </p:stCondLst>
@@ -15071,26 +15077,26 @@
                     </p:cTn>
                   </p:par>
                   <p:par>
-                    <p:cTn id="15" fill="hold">
+                    <p:cTn id="17" fill="hold">
                       <p:stCondLst>
                         <p:cond delay="indefinite"/>
                       </p:stCondLst>
                       <p:childTnLst>
                         <p:par>
-                          <p:cTn id="16" fill="hold">
+                          <p:cTn id="18" fill="hold">
                             <p:stCondLst>
                               <p:cond delay="0"/>
                             </p:stCondLst>
                             <p:childTnLst>
                               <p:par>
-                                <p:cTn id="17" presetID="1" presetClass="entr" presetSubtype="0" fill="hold" grpId="0" nodeType="clickEffect">
+                                <p:cTn id="19" presetID="1" presetClass="entr" presetSubtype="0" fill="hold" grpId="0" nodeType="clickEffect">
                                   <p:stCondLst>
                                     <p:cond delay="0"/>
                                   </p:stCondLst>
                                   <p:childTnLst>
                                     <p:set>
                                       <p:cBhvr>
-                                        <p:cTn id="18" dur="1" fill="hold">
+                                        <p:cTn id="20" dur="1" fill="hold">
                                           <p:stCondLst>
                                             <p:cond delay="0"/>
                                           </p:stCondLst>
@@ -15140,6 +15146,7 @@
       <p:bldP spid="13" grpId="0" animBg="1"/>
       <p:bldP spid="12" grpId="0" animBg="1"/>
       <p:bldP spid="6" grpId="0" animBg="1"/>
+      <p:bldP spid="5" grpId="0"/>
     </p:bldLst>
   </p:timing>
 </p:sld>
@@ -15183,7 +15190,7 @@
           <a:lstStyle/>
           <a:p>
             <a:r>
-              <a:rPr lang="bg-BG" dirty="0" smtClean="0"/>
+              <a:rPr lang="bg-BG" dirty="0"/>
               <a:t>Получаване на помощна информация</a:t>
             </a:r>
             <a:endParaRPr lang="en-US" dirty="0"/>
@@ -15238,13 +15245,6 @@
       <p:transition spd="slow" advClick="0" advTm="5000"/>
     </mc:Fallback>
   </mc:AlternateContent>
-  <p:timing>
-    <p:tnLst>
-      <p:par>
-        <p:cTn id="1" dur="indefinite" restart="never" nodeType="tmRoot"/>
-      </p:par>
-    </p:tnLst>
-  </p:timing>
 </p:sld>
 </file>
 
@@ -15309,14 +15309,14 @@
               <a:t> и </a:t>
             </a:r>
             <a:r>
-              <a:rPr lang="ru-RU" b="1" dirty="0" smtClean="0"/>
+              <a:rPr lang="ru-RU" b="1" dirty="0"/>
               <a:t>инструменти</a:t>
             </a:r>
-            <a:endParaRPr lang="en-US" b="1" dirty="0" smtClean="0"/>
-          </a:p>
-          <a:p>
-            <a:r>
-              <a:rPr lang="ru-RU" dirty="0" smtClean="0"/>
+            <a:endParaRPr lang="en-US" b="1" dirty="0"/>
+          </a:p>
+          <a:p>
+            <a:r>
+              <a:rPr lang="ru-RU" dirty="0"/>
               <a:t>Пакетът </a:t>
             </a:r>
             <a:r>
@@ -15325,13 +15325,9 @@
             </a:r>
             <a:r>
               <a:rPr lang="ru-RU" dirty="0"/>
-              <a:t>предлага помощна система, която улеснява </a:t>
-            </a:r>
-            <a:r>
-              <a:rPr lang="ru-RU" dirty="0" smtClean="0"/>
-              <a:t>работата</a:t>
-            </a:r>
-            <a:endParaRPr lang="en-US" dirty="0" smtClean="0"/>
+              <a:t>предлага помощна система, която улеснява работата</a:t>
+            </a:r>
+            <a:endParaRPr lang="en-US" dirty="0"/>
           </a:p>
         </p:txBody>
       </p:sp>
@@ -15351,7 +15347,7 @@
           <a:lstStyle/>
           <a:p>
             <a:r>
-              <a:rPr lang="bg-BG" dirty="0" smtClean="0"/>
+              <a:rPr lang="bg-BG" dirty="0"/>
               <a:t>Получаване на помощ</a:t>
             </a:r>
             <a:endParaRPr lang="en-US" dirty="0"/>
@@ -15406,13 +15402,6 @@
       <p:transition spd="slow" advClick="0" advTm="5000"/>
     </mc:Fallback>
   </mc:AlternateContent>
-  <p:timing>
-    <p:tnLst>
-      <p:par>
-        <p:cTn id="1" dur="indefinite" restart="never" nodeType="tmRoot"/>
-      </p:par>
-    </p:tnLst>
-  </p:timing>
 </p:sld>
 </file>
 
@@ -15474,7 +15463,9 @@
           </a:xfrm>
         </p:spPr>
         <p:txBody>
-          <a:bodyPr/>
+          <a:bodyPr>
+            <a:normAutofit/>
+          </a:bodyPr>
           <a:lstStyle/>
           <a:p>
             <a:r>
@@ -15491,29 +15482,25 @@
             </a:r>
             <a:r>
               <a:rPr lang="bg-BG" dirty="0"/>
-              <a:t>се отваря диалогов </a:t>
-            </a:r>
-            <a:r>
-              <a:rPr lang="bg-BG" dirty="0" smtClean="0"/>
-              <a:t>прозорец </a:t>
-            </a:r>
-            <a:r>
-              <a:rPr lang="en-US" b="1" dirty="0" smtClean="0"/>
+              <a:t>се отваря диалогов прозорец </a:t>
+            </a:r>
+            <a:r>
+              <a:rPr lang="en-US" b="1" dirty="0"/>
               <a:t>Help</a:t>
             </a:r>
-            <a:endParaRPr lang="bg-BG" b="1" dirty="0" smtClean="0"/>
-          </a:p>
-          <a:p>
-            <a:r>
-              <a:rPr lang="bg-BG" dirty="0" smtClean="0"/>
-              <a:t>Тук всеки потребител може да търси решение за справяне с проблема, с който се е сблъскал, при работа с някой от продуктите на </a:t>
-            </a:r>
-            <a:r>
-              <a:rPr lang="en-US" b="1" dirty="0" smtClean="0"/>
+            <a:endParaRPr lang="bg-BG" b="1" dirty="0"/>
+          </a:p>
+          <a:p>
+            <a:r>
+              <a:rPr lang="bg-BG" dirty="0"/>
+              <a:t>Тук всеки потребител може да търси решение за справяне с даден проблем  при работа с продукт на </a:t>
+            </a:r>
+            <a:r>
+              <a:rPr lang="en-US" b="1" dirty="0"/>
               <a:t>MS Office</a:t>
             </a:r>
             <a:r>
-              <a:rPr lang="bg-BG" b="1" dirty="0" smtClean="0"/>
+              <a:rPr lang="bg-BG" b="1" dirty="0"/>
               <a:t> </a:t>
             </a:r>
             <a:endParaRPr lang="ru-RU" b="1" dirty="0"/>
@@ -16380,7 +16367,7 @@
               </a:buClr>
             </a:pPr>
             <a:r>
-              <a:rPr lang="bg-BG" sz="2800" b="1" dirty="0" smtClean="0">
+              <a:rPr lang="bg-BG" sz="2800" b="1" dirty="0">
                 <a:solidFill>
                   <a:schemeClr val="bg2"/>
                 </a:solidFill>
@@ -16398,14 +16385,14 @@
               </a:buClr>
             </a:pPr>
             <a:r>
-              <a:rPr lang="bg-BG" sz="2800" b="1" dirty="0" smtClean="0">
+              <a:rPr lang="bg-BG" sz="2800" b="1" dirty="0">
                 <a:solidFill>
                   <a:schemeClr val="bg2"/>
                 </a:solidFill>
               </a:rPr>
               <a:t> Замяна на текст</a:t>
             </a:r>
-            <a:endParaRPr lang="en-US" sz="2400" dirty="0" smtClean="0">
+            <a:endParaRPr lang="en-US" sz="2400" dirty="0">
               <a:solidFill>
                 <a:schemeClr val="bg2"/>
               </a:solidFill>
@@ -16454,7 +16441,7 @@
           <a:p>
             <a:pPr algn="ctr"/>
             <a:r>
-              <a:rPr lang="bg-BG" sz="2800" b="1" dirty="0" smtClean="0">
+              <a:rPr lang="bg-BG" sz="2800" b="1" dirty="0">
                 <a:solidFill>
                   <a:srgbClr val="FFFFFF"/>
                 </a:solidFill>
@@ -16501,13 +16488,6 @@
       <p:transition spd="slow" advClick="0" advTm="5000"/>
     </mc:Fallback>
   </mc:AlternateContent>
-  <p:timing>
-    <p:tnLst>
-      <p:par>
-        <p:cTn id="1" dur="indefinite" restart="never" nodeType="tmRoot"/>
-      </p:par>
-    </p:tnLst>
-  </p:timing>
 </p:sld>
 </file>
 
@@ -16625,7 +16605,7 @@
                 <a:hlinkClick r:id="rId3">
                   <a:extLst>
                     <a:ext uri="{A12FA001-AC4F-418D-AE19-62706E023703}">
-                      <ahyp:hlinkClr xmlns="" xmlns:ahyp="http://schemas.microsoft.com/office/drawing/2018/hyperlinkcolor" val="tx"/>
+                      <ahyp:hlinkClr xmlns:ahyp="http://schemas.microsoft.com/office/drawing/2018/hyperlinkcolor" val="tx"/>
                     </a:ext>
                   </a:extLst>
                 </a:hlinkClick>
@@ -16698,13 +16678,6 @@
       <p:transition spd="slow" advClick="0" advTm="5000"/>
     </mc:Fallback>
   </mc:AlternateContent>
-  <p:timing>
-    <p:tnLst>
-      <p:par>
-        <p:cTn id="1" dur="indefinite" restart="never" nodeType="tmRoot"/>
-      </p:par>
-    </p:tnLst>
-  </p:timing>
 </p:sld>
 </file>
 
@@ -17088,13 +17061,6 @@
       <p:transition spd="slow" advClick="0" advTm="5000"/>
     </mc:Fallback>
   </mc:AlternateContent>
-  <p:timing>
-    <p:tnLst>
-      <p:par>
-        <p:cTn id="1" dur="indefinite" restart="never" nodeType="tmRoot"/>
-      </p:par>
-    </p:tnLst>
-  </p:timing>
 </p:sld>
 </file>
 
@@ -17131,7 +17097,7 @@
           <a:lstStyle/>
           <a:p>
             <a:r>
-              <a:rPr lang="bg-BG" dirty="0" smtClean="0"/>
+              <a:rPr lang="bg-BG" dirty="0"/>
               <a:t>Помощно средство при големи файлове</a:t>
             </a:r>
             <a:endParaRPr lang="en-US" dirty="0"/>
@@ -17154,7 +17120,7 @@
           <a:lstStyle/>
           <a:p>
             <a:r>
-              <a:rPr lang="bg-BG" dirty="0" smtClean="0"/>
+              <a:rPr lang="bg-BG" dirty="0"/>
               <a:t>Търсене на текст</a:t>
             </a:r>
             <a:endParaRPr lang="en-US" dirty="0"/>
@@ -17209,13 +17175,6 @@
       <p:transition spd="slow" advClick="0" advTm="5000"/>
     </mc:Fallback>
   </mc:AlternateContent>
-  <p:timing>
-    <p:tnLst>
-      <p:par>
-        <p:cTn id="1" dur="indefinite" restart="never" nodeType="tmRoot"/>
-      </p:par>
-    </p:tnLst>
-  </p:timing>
 </p:sld>
 </file>
 
@@ -17261,15 +17220,7 @@
             </a:r>
             <a:r>
               <a:rPr lang="ru-RU" b="1" dirty="0"/>
-              <a:t>търсене и </a:t>
-            </a:r>
-            <a:r>
-              <a:rPr lang="ru-RU" b="1" dirty="0" smtClean="0"/>
-              <a:t>замяна </a:t>
-            </a:r>
-            <a:r>
-              <a:rPr lang="ru-RU" b="1" dirty="0"/>
-              <a:t>на текст </a:t>
+              <a:t>търсене и замяна на текст </a:t>
             </a:r>
             <a:r>
               <a:rPr lang="ru-RU" dirty="0"/>
@@ -17277,28 +17228,24 @@
             </a:r>
             <a:r>
               <a:rPr lang="ru-RU" b="1" dirty="0"/>
-              <a:t>големи </a:t>
-            </a:r>
-            <a:r>
-              <a:rPr lang="ru-RU" b="1" dirty="0" smtClean="0"/>
-              <a:t>файлове</a:t>
-            </a:r>
-          </a:p>
-          <a:p>
-            <a:r>
-              <a:rPr lang="ru-RU" b="1" dirty="0" smtClean="0"/>
+              <a:t>големи файлове</a:t>
+            </a:r>
+          </a:p>
+          <a:p>
+            <a:r>
+              <a:rPr lang="ru-RU" b="1" dirty="0"/>
               <a:t>Инструментите</a:t>
             </a:r>
             <a:r>
-              <a:rPr lang="ru-RU" dirty="0" smtClean="0"/>
+              <a:rPr lang="ru-RU" dirty="0"/>
               <a:t> за търсене и замяна се намират на </a:t>
             </a:r>
             <a:r>
-              <a:rPr lang="ru-RU" b="1" dirty="0" smtClean="0"/>
+              <a:rPr lang="ru-RU" b="1" dirty="0"/>
               <a:t>панела </a:t>
             </a:r>
             <a:r>
-              <a:rPr lang="en-US" b="1" dirty="0" smtClean="0">
+              <a:rPr lang="en-US" b="1" dirty="0">
                 <a:solidFill>
                   <a:schemeClr val="bg1"/>
                 </a:solidFill>
@@ -17306,30 +17253,25 @@
               <a:t>Editing</a:t>
             </a:r>
             <a:r>
-              <a:rPr lang="en-US" dirty="0" smtClean="0"/>
+              <a:rPr lang="en-US" dirty="0"/>
               <a:t> </a:t>
             </a:r>
             <a:r>
-              <a:rPr lang="bg-BG" dirty="0" smtClean="0"/>
+              <a:rPr lang="bg-BG" dirty="0"/>
               <a:t>в </a:t>
             </a:r>
             <a:r>
-              <a:rPr lang="bg-BG" b="1" dirty="0" smtClean="0"/>
+              <a:rPr lang="bg-BG" b="1" dirty="0"/>
               <a:t>менюто </a:t>
             </a:r>
             <a:r>
-              <a:rPr lang="en-US" b="1" dirty="0" smtClean="0">
+              <a:rPr lang="en-US" b="1" dirty="0">
                 <a:solidFill>
                   <a:schemeClr val="bg1"/>
                 </a:solidFill>
               </a:rPr>
               <a:t>Home</a:t>
             </a:r>
-            <a:endParaRPr lang="en-US" b="1" dirty="0">
-              <a:solidFill>
-                <a:schemeClr val="bg1"/>
-              </a:solidFill>
-            </a:endParaRPr>
           </a:p>
         </p:txBody>
       </p:sp>
@@ -17356,36 +17298,6 @@
           </a:p>
         </p:txBody>
       </p:sp>
-      <p:pic>
-        <p:nvPicPr>
-          <p:cNvPr id="6" name="Picture 5"/>
-          <p:cNvPicPr>
-            <a:picLocks noChangeAspect="1"/>
-          </p:cNvPicPr>
-          <p:nvPr/>
-        </p:nvPicPr>
-        <p:blipFill rotWithShape="1">
-          <a:blip r:embed="rId2"/>
-          <a:srcRect t="1" b="472"/>
-          <a:stretch/>
-        </p:blipFill>
-        <p:spPr>
-          <a:xfrm>
-            <a:off x="9156000" y="3744000"/>
-            <a:ext cx="2107474" cy="2607727"/>
-          </a:xfrm>
-          <a:prstGeom prst="rect">
-            <a:avLst/>
-          </a:prstGeom>
-          <a:ln>
-            <a:solidFill>
-              <a:schemeClr val="bg2">
-                <a:lumMod val="75000"/>
-              </a:schemeClr>
-            </a:solidFill>
-          </a:ln>
-        </p:spPr>
-      </p:pic>
       <p:grpSp>
         <p:nvGrpSpPr>
           <p:cNvPr id="9" name="Group 8"/>
@@ -17394,8 +17306,8 @@
         </p:nvGrpSpPr>
         <p:grpSpPr>
           <a:xfrm>
-            <a:off x="484578" y="3924000"/>
-            <a:ext cx="6897372" cy="1439425"/>
+            <a:off x="484577" y="3924000"/>
+            <a:ext cx="10781449" cy="2250000"/>
             <a:chOff x="618761" y="3879000"/>
             <a:chExt cx="6353882" cy="1326003"/>
           </a:xfrm>
@@ -17409,7 +17321,7 @@
             <p:nvPr/>
           </p:nvPicPr>
           <p:blipFill rotWithShape="1">
-            <a:blip r:embed="rId3"/>
+            <a:blip r:embed="rId2"/>
             <a:srcRect l="1137" r="67611"/>
             <a:stretch/>
           </p:blipFill>
@@ -17422,7 +17334,11 @@
               <a:avLst/>
             </a:prstGeom>
             <a:ln>
-              <a:noFill/>
+              <a:solidFill>
+                <a:schemeClr val="bg2">
+                  <a:lumMod val="75000"/>
+                </a:schemeClr>
+              </a:solidFill>
             </a:ln>
           </p:spPr>
         </p:pic>
@@ -17435,7 +17351,7 @@
             <p:nvPr/>
           </p:nvPicPr>
           <p:blipFill rotWithShape="1">
-            <a:blip r:embed="rId3"/>
+            <a:blip r:embed="rId2"/>
             <a:srcRect l="59228" r="523"/>
             <a:stretch/>
           </p:blipFill>
@@ -17448,7 +17364,11 @@
               <a:avLst/>
             </a:prstGeom>
             <a:ln>
-              <a:noFill/>
+              <a:solidFill>
+                <a:schemeClr val="bg2">
+                  <a:lumMod val="75000"/>
+                </a:schemeClr>
+              </a:solidFill>
             </a:ln>
           </p:spPr>
         </p:pic>
@@ -17461,14 +17381,14 @@
         </p:nvSpPr>
         <p:spPr bwMode="auto">
           <a:xfrm>
-            <a:off x="6456000" y="4239000"/>
-            <a:ext cx="912372" cy="1124425"/>
+            <a:off x="9876000" y="4464000"/>
+            <a:ext cx="1362796" cy="1679536"/>
           </a:xfrm>
           <a:prstGeom prst="rect">
             <a:avLst/>
           </a:prstGeom>
           <a:noFill/>
-          <a:ln w="38100">
+          <a:ln w="57150">
             <a:solidFill>
               <a:schemeClr val="tx1">
                 <a:lumMod val="75000"/>
@@ -17519,39 +17439,6 @@
           </a:p>
         </p:txBody>
       </p:sp>
-      <p:cxnSp>
-        <p:nvCxnSpPr>
-          <p:cNvPr id="12" name="Straight Arrow Connector 11"/>
-          <p:cNvCxnSpPr/>
-          <p:nvPr/>
-        </p:nvCxnSpPr>
-        <p:spPr>
-          <a:xfrm>
-            <a:off x="7626000" y="4801212"/>
-            <a:ext cx="1170000" cy="292788"/>
-          </a:xfrm>
-          <a:prstGeom prst="straightConnector1">
-            <a:avLst/>
-          </a:prstGeom>
-          <a:ln w="76200">
-            <a:tailEnd type="triangle"/>
-          </a:ln>
-        </p:spPr>
-        <p:style>
-          <a:lnRef idx="1">
-            <a:schemeClr val="dk1"/>
-          </a:lnRef>
-          <a:fillRef idx="0">
-            <a:schemeClr val="dk1"/>
-          </a:fillRef>
-          <a:effectRef idx="0">
-            <a:schemeClr val="dk1"/>
-          </a:effectRef>
-          <a:fontRef idx="minor">
-            <a:schemeClr val="tx1"/>
-          </a:fontRef>
-        </p:style>
-      </p:cxnSp>
     </p:spTree>
     <p:extLst>
       <p:ext uri="{BB962C8B-B14F-4D97-AF65-F5344CB8AC3E}">
@@ -17717,96 +17604,6 @@
                       </p:childTnLst>
                     </p:cTn>
                   </p:par>
-                  <p:par>
-                    <p:cTn id="15" fill="hold">
-                      <p:stCondLst>
-                        <p:cond delay="indefinite"/>
-                      </p:stCondLst>
-                      <p:childTnLst>
-                        <p:par>
-                          <p:cTn id="16" fill="hold">
-                            <p:stCondLst>
-                              <p:cond delay="0"/>
-                            </p:stCondLst>
-                            <p:childTnLst>
-                              <p:par>
-                                <p:cTn id="17" presetID="1" presetClass="entr" presetSubtype="0" fill="hold" nodeType="clickEffect">
-                                  <p:stCondLst>
-                                    <p:cond delay="0"/>
-                                  </p:stCondLst>
-                                  <p:childTnLst>
-                                    <p:set>
-                                      <p:cBhvr>
-                                        <p:cTn id="18" dur="1" fill="hold">
-                                          <p:stCondLst>
-                                            <p:cond delay="0"/>
-                                          </p:stCondLst>
-                                        </p:cTn>
-                                        <p:tgtEl>
-                                          <p:spTgt spid="12"/>
-                                        </p:tgtEl>
-                                        <p:attrNameLst>
-                                          <p:attrName>style.visibility</p:attrName>
-                                        </p:attrNameLst>
-                                      </p:cBhvr>
-                                      <p:to>
-                                        <p:strVal val="visible"/>
-                                      </p:to>
-                                    </p:set>
-                                  </p:childTnLst>
-                                </p:cTn>
-                              </p:par>
-                            </p:childTnLst>
-                          </p:cTn>
-                        </p:par>
-                      </p:childTnLst>
-                    </p:cTn>
-                  </p:par>
-                  <p:par>
-                    <p:cTn id="19" fill="hold">
-                      <p:stCondLst>
-                        <p:cond delay="indefinite"/>
-                      </p:stCondLst>
-                      <p:childTnLst>
-                        <p:par>
-                          <p:cTn id="20" fill="hold">
-                            <p:stCondLst>
-                              <p:cond delay="0"/>
-                            </p:stCondLst>
-                            <p:childTnLst>
-                              <p:par>
-                                <p:cTn id="21" presetID="1" presetClass="entr" presetSubtype="0" fill="hold" nodeType="clickEffect">
-                                  <p:stCondLst>
-                                    <p:cond delay="0"/>
-                                  </p:stCondLst>
-                                  <p:childTnLst>
-                                    <p:set>
-                                      <p:cBhvr>
-                                        <p:cTn id="22" dur="1" fill="hold">
-                                          <p:stCondLst>
-                                            <p:cond delay="0"/>
-                                          </p:stCondLst>
-                                        </p:cTn>
-                                        <p:tgtEl>
-                                          <p:spTgt spid="6"/>
-                                        </p:tgtEl>
-                                        <p:attrNameLst>
-                                          <p:attrName>style.visibility</p:attrName>
-                                        </p:attrNameLst>
-                                      </p:cBhvr>
-                                      <p:to>
-                                        <p:strVal val="visible"/>
-                                      </p:to>
-                                    </p:set>
-                                  </p:childTnLst>
-                                </p:cTn>
-                              </p:par>
-                            </p:childTnLst>
-                          </p:cTn>
-                        </p:par>
-                      </p:childTnLst>
-                    </p:cTn>
-                  </p:par>
                 </p:childTnLst>
               </p:cTn>
               <p:prevCondLst>
@@ -17916,7 +17713,7 @@
           <a:lstStyle/>
           <a:p>
             <a:r>
-              <a:rPr lang="bg-BG" dirty="0" smtClean="0"/>
+              <a:rPr lang="bg-BG" dirty="0"/>
               <a:t>Търсене на текст</a:t>
             </a:r>
             <a:endParaRPr lang="en-US" dirty="0"/>
@@ -17983,7 +17780,7 @@
           <a:p>
             <a:pPr algn="ctr"/>
             <a:r>
-              <a:rPr lang="bg-BG" sz="2800" b="1" dirty="0" smtClean="0">
+              <a:rPr lang="bg-BG" sz="2800" b="1" dirty="0">
                 <a:solidFill>
                   <a:srgbClr val="FFFFFF"/>
                 </a:solidFill>
@@ -17998,7 +17795,22 @@
               <a:t>Избираме бутона </a:t>
             </a:r>
             <a:r>
-              <a:rPr lang="en-US" sz="2800" b="1" dirty="0" smtClean="0">
+              <a:rPr lang="en-US" sz="2800" b="1" dirty="0">
+                <a:solidFill>
+                  <a:srgbClr val="FFFFFF"/>
+                </a:solidFill>
+                <a:effectLst>
+                  <a:outerShdw blurRad="38100" dist="38100" dir="2700000" algn="tl">
+                    <a:srgbClr val="000000">
+                      <a:alpha val="43137"/>
+                    </a:srgbClr>
+                  </a:outerShdw>
+                </a:effectLst>
+              </a:rPr>
+              <a:t>[</a:t>
+            </a:r>
+            <a:r>
+              <a:rPr lang="en-US" sz="2800" b="1" dirty="0">
                 <a:solidFill>
                   <a:schemeClr val="bg1">
                     <a:lumMod val="60000"/>
@@ -18014,6 +17826,21 @@
                 </a:effectLst>
               </a:rPr>
               <a:t>Find</a:t>
+            </a:r>
+            <a:r>
+              <a:rPr lang="en-US" sz="2800" b="1" dirty="0">
+                <a:solidFill>
+                  <a:srgbClr val="FFFFFF"/>
+                </a:solidFill>
+                <a:effectLst>
+                  <a:outerShdw blurRad="38100" dist="38100" dir="2700000" algn="tl">
+                    <a:srgbClr val="000000">
+                      <a:alpha val="43137"/>
+                    </a:srgbClr>
+                  </a:outerShdw>
+                </a:effectLst>
+              </a:rPr>
+              <a:t>]</a:t>
             </a:r>
             <a:endParaRPr lang="en-US" sz="2800" b="1" dirty="0">
               <a:solidFill>
@@ -18093,7 +17920,7 @@
           <a:p>
             <a:pPr algn="ctr"/>
             <a:r>
-              <a:rPr lang="bg-BG" sz="2800" b="1" dirty="0" smtClean="0">
+              <a:rPr lang="bg-BG" sz="2800" b="1" dirty="0">
                 <a:solidFill>
                   <a:srgbClr val="FFFFFF"/>
                 </a:solidFill>
@@ -18108,7 +17935,7 @@
               <a:t>Така се отваря </a:t>
             </a:r>
             <a:r>
-              <a:rPr lang="en-US" sz="2800" b="1" dirty="0" smtClean="0">
+              <a:rPr lang="en-US" sz="2800" b="1" dirty="0">
                 <a:solidFill>
                   <a:schemeClr val="bg1">
                     <a:lumMod val="60000"/>
@@ -18126,7 +17953,7 @@
               <a:t>Navigation</a:t>
             </a:r>
             <a:r>
-              <a:rPr lang="en-US" sz="2800" b="1" dirty="0" smtClean="0">
+              <a:rPr lang="en-US" sz="2800" b="1" dirty="0">
                 <a:solidFill>
                   <a:srgbClr val="FFFFFF"/>
                 </a:solidFill>
@@ -18141,7 +17968,7 @@
               <a:t> </a:t>
             </a:r>
             <a:r>
-              <a:rPr lang="bg-BG" sz="2800" b="1" dirty="0" smtClean="0">
+              <a:rPr lang="bg-BG" sz="2800" b="1" dirty="0">
                 <a:solidFill>
                   <a:srgbClr val="FFFFFF"/>
                 </a:solidFill>
@@ -18230,7 +18057,7 @@
           <a:p>
             <a:pPr algn="ctr"/>
             <a:r>
-              <a:rPr lang="bg-BG" sz="2800" b="1" dirty="0" smtClean="0">
+              <a:rPr lang="bg-BG" sz="2800" b="1" dirty="0">
                 <a:solidFill>
                   <a:srgbClr val="FFFFFF"/>
                 </a:solidFill>
@@ -18245,7 +18072,7 @@
               <a:t>Панелът има три раздела – </a:t>
             </a:r>
             <a:r>
-              <a:rPr lang="en-US" sz="2800" b="1" dirty="0" smtClean="0">
+              <a:rPr lang="en-US" sz="2800" b="1" dirty="0">
                 <a:solidFill>
                   <a:schemeClr val="bg1">
                     <a:lumMod val="60000"/>
@@ -18263,7 +18090,7 @@
               <a:t>Headings</a:t>
             </a:r>
             <a:r>
-              <a:rPr lang="en-US" sz="2800" b="1" dirty="0" smtClean="0">
+              <a:rPr lang="en-US" sz="2800" b="1" dirty="0">
                 <a:solidFill>
                   <a:srgbClr val="FFFFFF"/>
                 </a:solidFill>
@@ -18278,7 +18105,7 @@
               <a:t>, </a:t>
             </a:r>
             <a:r>
-              <a:rPr lang="en-US" sz="2800" b="1" dirty="0" smtClean="0">
+              <a:rPr lang="en-US" sz="2800" b="1" dirty="0">
                 <a:solidFill>
                   <a:schemeClr val="bg1">
                     <a:lumMod val="60000"/>
@@ -18296,7 +18123,7 @@
               <a:t>Pages</a:t>
             </a:r>
             <a:r>
-              <a:rPr lang="bg-BG" sz="2800" b="1" dirty="0" smtClean="0">
+              <a:rPr lang="bg-BG" sz="2800" b="1" dirty="0">
                 <a:solidFill>
                   <a:srgbClr val="FFFFFF"/>
                 </a:solidFill>
@@ -18311,7 +18138,7 @@
               <a:t> и </a:t>
             </a:r>
             <a:r>
-              <a:rPr lang="en-US" sz="2800" b="1" dirty="0" smtClean="0">
+              <a:rPr lang="en-US" sz="2800" b="1" dirty="0">
                 <a:solidFill>
                   <a:schemeClr val="bg1">
                     <a:lumMod val="60000"/>
@@ -18328,21 +18155,6 @@
               </a:rPr>
               <a:t>Results</a:t>
             </a:r>
-            <a:endParaRPr lang="en-US" sz="2800" b="1" dirty="0">
-              <a:solidFill>
-                <a:schemeClr val="bg1">
-                  <a:lumMod val="60000"/>
-                  <a:lumOff val="40000"/>
-                </a:schemeClr>
-              </a:solidFill>
-              <a:effectLst>
-                <a:outerShdw blurRad="38100" dist="38100" dir="2700000" algn="tl">
-                  <a:srgbClr val="000000">
-                    <a:alpha val="43137"/>
-                  </a:srgbClr>
-                </a:outerShdw>
-              </a:effectLst>
-            </a:endParaRPr>
           </a:p>
         </p:txBody>
       </p:sp>
@@ -18797,7 +18609,7 @@
           <a:p>
             <a:pPr algn="ctr"/>
             <a:r>
-              <a:rPr lang="bg-BG" sz="2800" b="1" dirty="0" smtClean="0">
+              <a:rPr lang="bg-BG" sz="2800" b="1" dirty="0">
                 <a:solidFill>
                   <a:srgbClr val="FFFFFF"/>
                 </a:solidFill>
@@ -18886,7 +18698,7 @@
           <a:p>
             <a:pPr algn="ctr"/>
             <a:r>
-              <a:rPr lang="bg-BG" sz="2800" b="1" dirty="0" smtClean="0">
+              <a:rPr lang="bg-BG" sz="2800" b="1" dirty="0">
                 <a:solidFill>
                   <a:srgbClr val="FFFFFF"/>
                 </a:solidFill>
@@ -18901,7 +18713,7 @@
               <a:t>Така в раздела </a:t>
             </a:r>
             <a:r>
-              <a:rPr lang="en-US" sz="2800" b="1" dirty="0" smtClean="0">
+              <a:rPr lang="en-US" sz="2800" b="1" dirty="0">
                 <a:solidFill>
                   <a:schemeClr val="bg1">
                     <a:lumMod val="60000"/>
@@ -18919,7 +18731,7 @@
               <a:t>Results</a:t>
             </a:r>
             <a:r>
-              <a:rPr lang="bg-BG" sz="2800" b="1" dirty="0" smtClean="0">
+              <a:rPr lang="bg-BG" sz="2800" b="1" dirty="0">
                 <a:solidFill>
                   <a:srgbClr val="FFFFFF"/>
                 </a:solidFill>
@@ -19074,7 +18886,7 @@
           <a:p>
             <a:pPr algn="ctr"/>
             <a:r>
-              <a:rPr lang="bg-BG" sz="2800" b="1" dirty="0" smtClean="0">
+              <a:rPr lang="bg-BG" sz="2800" b="1" dirty="0">
                 <a:solidFill>
                   <a:srgbClr val="FFFFFF"/>
                 </a:solidFill>
@@ -19401,16 +19213,12 @@
               <a:t>Друга опция за търсене в </a:t>
             </a:r>
             <a:r>
-              <a:rPr lang="ru-RU" b="1" dirty="0" smtClean="0"/>
+              <a:rPr lang="ru-RU" b="1" dirty="0"/>
               <a:t>Word</a:t>
             </a:r>
             <a:r>
-              <a:rPr lang="ru-RU" dirty="0" smtClean="0"/>
-              <a:t> </a:t>
-            </a:r>
-            <a:r>
               <a:rPr lang="ru-RU" dirty="0"/>
-              <a:t>файл е </a:t>
+              <a:t> файл е </a:t>
             </a:r>
             <a:r>
               <a:rPr lang="ru-RU" b="1" dirty="0">
@@ -19418,8 +19226,29 @@
                   <a:schemeClr val="bg1"/>
                 </a:solidFill>
               </a:rPr>
-              <a:t>Advanced find</a:t>
-            </a:r>
+              <a:t>Advanced </a:t>
+            </a:r>
+            <a:r>
+              <a:rPr lang="en-US" b="1" dirty="0">
+                <a:solidFill>
+                  <a:schemeClr val="bg1"/>
+                </a:solidFill>
+              </a:rPr>
+              <a:t>F</a:t>
+            </a:r>
+            <a:r>
+              <a:rPr lang="ru-RU" b="1" dirty="0" err="1">
+                <a:solidFill>
+                  <a:schemeClr val="bg1"/>
+                </a:solidFill>
+              </a:rPr>
+              <a:t>ind</a:t>
+            </a:r>
+            <a:endParaRPr lang="ru-RU" b="1" dirty="0">
+              <a:solidFill>
+                <a:schemeClr val="bg1"/>
+              </a:solidFill>
+            </a:endParaRPr>
           </a:p>
           <a:p>
             <a:endParaRPr lang="en-US" dirty="0"/>
@@ -19442,10 +19271,9 @@
           <a:lstStyle/>
           <a:p>
             <a:r>
-              <a:rPr lang="en-US" dirty="0" smtClean="0"/>
-              <a:t>Advanced find</a:t>
-            </a:r>
-            <a:endParaRPr lang="en-US" dirty="0"/>
+              <a:rPr lang="en-US" dirty="0"/>
+              <a:t>Advanced Find</a:t>
+            </a:r>
           </a:p>
         </p:txBody>
       </p:sp>
@@ -19564,7 +19392,7 @@
           <a:p>
             <a:pPr algn="ctr"/>
             <a:r>
-              <a:rPr lang="en-US" sz="2800" b="1" dirty="0" smtClean="0">
+              <a:rPr lang="en-US" sz="2800" b="1" dirty="0">
                 <a:solidFill>
                   <a:schemeClr val="bg1">
                     <a:lumMod val="60000"/>
@@ -19579,10 +19407,10 @@
                   </a:outerShdw>
                 </a:effectLst>
               </a:rPr>
-              <a:t>Advanced find </a:t>
-            </a:r>
-            <a:r>
-              <a:rPr lang="bg-BG" sz="2800" b="1" dirty="0" smtClean="0">
+              <a:t>Advanced Find </a:t>
+            </a:r>
+            <a:r>
+              <a:rPr lang="bg-BG" sz="2800" b="1" dirty="0">
                 <a:solidFill>
                   <a:srgbClr val="FFFFFF"/>
                 </a:solidFill>
@@ -19597,7 +19425,22 @@
               <a:t>се намира в падащото меню на </a:t>
             </a:r>
             <a:r>
-              <a:rPr lang="en-US" sz="2800" b="1" dirty="0" smtClean="0">
+              <a:rPr lang="en-US" sz="2800" b="1" dirty="0">
+                <a:solidFill>
+                  <a:srgbClr val="FFFFFF"/>
+                </a:solidFill>
+                <a:effectLst>
+                  <a:outerShdw blurRad="38100" dist="38100" dir="2700000" algn="tl">
+                    <a:srgbClr val="000000">
+                      <a:alpha val="43137"/>
+                    </a:srgbClr>
+                  </a:outerShdw>
+                </a:effectLst>
+              </a:rPr>
+              <a:t>[</a:t>
+            </a:r>
+            <a:r>
+              <a:rPr lang="en-US" sz="2800" b="1" dirty="0">
                 <a:solidFill>
                   <a:schemeClr val="bg1">
                     <a:lumMod val="60000"/>
@@ -19615,7 +19458,7 @@
               <a:t>Find</a:t>
             </a:r>
             <a:r>
-              <a:rPr lang="en-US" sz="2800" b="1" dirty="0" smtClean="0">
+              <a:rPr lang="en-US" sz="2800" b="1" dirty="0">
                 <a:solidFill>
                   <a:srgbClr val="FFFFFF"/>
                 </a:solidFill>
@@ -19627,10 +19470,10 @@
                   </a:outerShdw>
                 </a:effectLst>
               </a:rPr>
-              <a:t> </a:t>
-            </a:r>
-            <a:r>
-              <a:rPr lang="bg-BG" sz="2800" b="1" dirty="0" smtClean="0">
+              <a:t>] </a:t>
+            </a:r>
+            <a:r>
+              <a:rPr lang="bg-BG" sz="2800" b="1" dirty="0">
                 <a:solidFill>
                   <a:srgbClr val="FFFFFF"/>
                 </a:solidFill>
@@ -20002,7 +19845,7 @@
           <a:p>
             <a:pPr algn="ctr"/>
             <a:r>
-              <a:rPr lang="bg-BG" sz="2800" b="1" dirty="0" smtClean="0">
+              <a:rPr lang="bg-BG" sz="2800" b="1" dirty="0">
                 <a:solidFill>
                   <a:srgbClr val="FFFFFF"/>
                 </a:solidFill>
@@ -20017,7 +19860,7 @@
               <a:t>Така се отваря диалогов прозорец </a:t>
             </a:r>
             <a:r>
-              <a:rPr lang="en-US" sz="2800" b="1" dirty="0" smtClean="0">
+              <a:rPr lang="en-US" sz="2800" b="1" dirty="0">
                 <a:solidFill>
                   <a:schemeClr val="bg1">
                     <a:lumMod val="60000"/>
@@ -20034,21 +19877,6 @@
               </a:rPr>
               <a:t>Find and Replace</a:t>
             </a:r>
-            <a:endParaRPr lang="en-US" sz="2800" b="1" dirty="0">
-              <a:solidFill>
-                <a:schemeClr val="bg1">
-                  <a:lumMod val="60000"/>
-                  <a:lumOff val="40000"/>
-                </a:schemeClr>
-              </a:solidFill>
-              <a:effectLst>
-                <a:outerShdw blurRad="38100" dist="38100" dir="2700000" algn="tl">
-                  <a:srgbClr val="000000">
-                    <a:alpha val="43137"/>
-                  </a:srgbClr>
-                </a:outerShdw>
-              </a:effectLst>
-            </a:endParaRPr>
           </a:p>
         </p:txBody>
       </p:sp>
@@ -20112,7 +19940,7 @@
           <a:p>
             <a:pPr algn="ctr"/>
             <a:r>
-              <a:rPr lang="bg-BG" sz="2800" b="1" dirty="0" smtClean="0">
+              <a:rPr lang="bg-BG" sz="2800" b="1" dirty="0">
                 <a:solidFill>
                   <a:srgbClr val="FFFFFF"/>
                 </a:solidFill>
@@ -20127,7 +19955,7 @@
               <a:t>В текстовото поле </a:t>
             </a:r>
             <a:r>
-              <a:rPr lang="en-US" sz="2800" b="1" dirty="0" smtClean="0">
+              <a:rPr lang="en-US" sz="2800" b="1" dirty="0">
                 <a:solidFill>
                   <a:schemeClr val="bg1">
                     <a:lumMod val="60000"/>
@@ -20145,7 +19973,7 @@
               <a:t>Find what</a:t>
             </a:r>
             <a:r>
-              <a:rPr lang="bg-BG" sz="2800" b="1" dirty="0" smtClean="0">
+              <a:rPr lang="bg-BG" sz="2800" b="1" dirty="0">
                 <a:solidFill>
                   <a:schemeClr val="bg1">
                     <a:lumMod val="60000"/>
@@ -20163,7 +19991,7 @@
               <a:t> </a:t>
             </a:r>
             <a:r>
-              <a:rPr lang="bg-BG" sz="2800" b="1" dirty="0" smtClean="0">
+              <a:rPr lang="bg-BG" sz="2800" b="1" dirty="0">
                 <a:solidFill>
                   <a:srgbClr val="FFFFFF"/>
                 </a:solidFill>
@@ -20178,7 +20006,7 @@
               <a:t>на раздела </a:t>
             </a:r>
             <a:r>
-              <a:rPr lang="en-US" sz="2800" b="1" dirty="0" smtClean="0">
+              <a:rPr lang="en-US" sz="2800" b="1" dirty="0">
                 <a:solidFill>
                   <a:schemeClr val="bg1">
                     <a:lumMod val="60000"/>
@@ -20196,7 +20024,7 @@
               <a:t>Find</a:t>
             </a:r>
             <a:r>
-              <a:rPr lang="en-US" sz="2800" b="1" dirty="0" smtClean="0">
+              <a:rPr lang="en-US" sz="2800" b="1" dirty="0">
                 <a:solidFill>
                   <a:srgbClr val="FFFFFF"/>
                 </a:solidFill>
@@ -20211,7 +20039,7 @@
               <a:t> </a:t>
             </a:r>
             <a:r>
-              <a:rPr lang="bg-BG" sz="2800" b="1" dirty="0" smtClean="0">
+              <a:rPr lang="bg-BG" sz="2800" b="1" dirty="0">
                 <a:solidFill>
                   <a:srgbClr val="FFFFFF"/>
                 </a:solidFill>
@@ -20613,7 +20441,7 @@
           <a:p>
             <a:pPr algn="ctr"/>
             <a:r>
-              <a:rPr lang="bg-BG" sz="2800" b="1" dirty="0" smtClean="0">
+              <a:rPr lang="bg-BG" sz="2800" b="1" dirty="0">
                 <a:solidFill>
                   <a:srgbClr val="FFFFFF"/>
                 </a:solidFill>
@@ -20628,7 +20456,22 @@
               <a:t>След като сме въвели някаква дума или изречение, натискаме </a:t>
             </a:r>
             <a:r>
-              <a:rPr lang="en-US" sz="2800" b="1" dirty="0" smtClean="0">
+              <a:rPr lang="en-US" sz="2800" b="1" dirty="0">
+                <a:solidFill>
+                  <a:srgbClr val="FFFFFF"/>
+                </a:solidFill>
+                <a:effectLst>
+                  <a:outerShdw blurRad="38100" dist="38100" dir="2700000" algn="tl">
+                    <a:srgbClr val="000000">
+                      <a:alpha val="43137"/>
+                    </a:srgbClr>
+                  </a:outerShdw>
+                </a:effectLst>
+              </a:rPr>
+              <a:t>[</a:t>
+            </a:r>
+            <a:r>
+              <a:rPr lang="en-US" sz="2800" b="1" dirty="0">
                 <a:solidFill>
                   <a:schemeClr val="bg1">
                     <a:lumMod val="60000"/>
@@ -20644,6 +20487,21 @@
                 </a:effectLst>
               </a:rPr>
               <a:t>Find Next</a:t>
+            </a:r>
+            <a:r>
+              <a:rPr lang="en-US" sz="2800" b="1" dirty="0">
+                <a:solidFill>
+                  <a:srgbClr val="FFFFFF"/>
+                </a:solidFill>
+                <a:effectLst>
+                  <a:outerShdw blurRad="38100" dist="38100" dir="2700000" algn="tl">
+                    <a:srgbClr val="000000">
+                      <a:alpha val="43137"/>
+                    </a:srgbClr>
+                  </a:outerShdw>
+                </a:effectLst>
+              </a:rPr>
+              <a:t>]</a:t>
             </a:r>
             <a:endParaRPr lang="en-US" sz="2800" b="1" dirty="0">
               <a:solidFill>

--- a/Courses/Computer-Modeling-and-IT/Computer-Modeling-and-IT-6-Class/06-Search-And-Replace-Text/06-Search-And-Replace-Text.pptx
+++ b/Courses/Computer-Modeling-and-IT/Computer-Modeling-and-IT-6-Class/06-Search-And-Replace-Text/06-Search-And-Replace-Text.pptx
@@ -307,7 +307,7 @@
           <a:p>
             <a:fld id="{4E087215-0C8F-4762-A664-737A353EC9A4}" type="datetimeFigureOut">
               <a:rPr lang="bg-BG" smtClean="0"/>
-              <a:t>24.04.24 г.</a:t>
+              <a:t>24.4.2024 г.</a:t>
             </a:fld>
             <a:endParaRPr lang="bg-BG"/>
           </a:p>
@@ -503,7 +503,7 @@
           <a:p>
             <a:fld id="{72D84649-876A-46C9-8472-14CB09C070D8}" type="datetimeFigureOut">
               <a:rPr lang="en-US" smtClean="0"/>
-              <a:t>4/24/24</a:t>
+              <a:t>4/24/2024</a:t>
             </a:fld>
             <a:endParaRPr lang="en-US"/>
           </a:p>
@@ -16369,11 +16369,138 @@
             <a:r>
               <a:rPr lang="bg-BG" sz="2800" b="1" dirty="0">
                 <a:solidFill>
+                  <a:schemeClr val="bg1">
+                    <a:lumMod val="60000"/>
+                    <a:lumOff val="40000"/>
+                  </a:schemeClr>
+                </a:solidFill>
+              </a:rPr>
+              <a:t>Търсене</a:t>
+            </a:r>
+            <a:r>
+              <a:rPr lang="bg-BG" sz="2800" b="1" dirty="0">
+                <a:solidFill>
                   <a:schemeClr val="bg2"/>
                 </a:solidFill>
               </a:rPr>
-              <a:t>Търсене на текст</a:t>
-            </a:r>
+              <a:t> </a:t>
+            </a:r>
+            <a:r>
+              <a:rPr lang="bg-BG" sz="2800" dirty="0">
+                <a:solidFill>
+                  <a:schemeClr val="bg2"/>
+                </a:solidFill>
+              </a:rPr>
+              <a:t>на </a:t>
+            </a:r>
+            <a:r>
+              <a:rPr lang="bg-BG" sz="2800" dirty="0" smtClean="0">
+                <a:solidFill>
+                  <a:schemeClr val="bg2"/>
+                </a:solidFill>
+              </a:rPr>
+              <a:t>текст</a:t>
+            </a:r>
+            <a:endParaRPr lang="en-US" sz="2800" dirty="0" smtClean="0">
+              <a:solidFill>
+                <a:schemeClr val="bg2"/>
+              </a:solidFill>
+            </a:endParaRPr>
+          </a:p>
+          <a:p>
+            <a:pPr marL="888666" lvl="1" indent="-355600">
+              <a:lnSpc>
+                <a:spcPct val="100000"/>
+              </a:lnSpc>
+              <a:buClr>
+                <a:schemeClr val="bg2"/>
+              </a:buClr>
+            </a:pPr>
+            <a:r>
+              <a:rPr lang="en-US" sz="2600" b="1" dirty="0" smtClean="0">
+                <a:solidFill>
+                  <a:schemeClr val="bg2"/>
+                </a:solidFill>
+              </a:rPr>
+              <a:t>Find</a:t>
+            </a:r>
+          </a:p>
+          <a:p>
+            <a:pPr marL="888666" lvl="1" indent="-355600">
+              <a:lnSpc>
+                <a:spcPct val="100000"/>
+              </a:lnSpc>
+              <a:buClr>
+                <a:schemeClr val="bg2"/>
+              </a:buClr>
+            </a:pPr>
+            <a:r>
+              <a:rPr lang="en-US" sz="2600" b="1" dirty="0" smtClean="0">
+                <a:solidFill>
+                  <a:schemeClr val="bg2"/>
+                </a:solidFill>
+              </a:rPr>
+              <a:t>Advanced Find</a:t>
+            </a:r>
+          </a:p>
+          <a:p>
+            <a:pPr marL="1421733" lvl="2" indent="-355600">
+              <a:lnSpc>
+                <a:spcPct val="100000"/>
+              </a:lnSpc>
+              <a:buClr>
+                <a:schemeClr val="bg2"/>
+              </a:buClr>
+            </a:pPr>
+            <a:r>
+              <a:rPr lang="en-US" sz="2400" dirty="0" smtClean="0">
+                <a:solidFill>
+                  <a:schemeClr val="bg2"/>
+                </a:solidFill>
+              </a:rPr>
+              <a:t>Search</a:t>
+            </a:r>
+          </a:p>
+          <a:p>
+            <a:pPr marL="1421733" lvl="2" indent="-355600">
+              <a:lnSpc>
+                <a:spcPct val="100000"/>
+              </a:lnSpc>
+              <a:buClr>
+                <a:schemeClr val="bg2"/>
+              </a:buClr>
+            </a:pPr>
+            <a:r>
+              <a:rPr lang="en-US" sz="2400" dirty="0" smtClean="0">
+                <a:solidFill>
+                  <a:schemeClr val="bg2"/>
+                </a:solidFill>
+              </a:rPr>
+              <a:t>Match case</a:t>
+            </a:r>
+          </a:p>
+          <a:p>
+            <a:pPr marL="1421733" lvl="2" indent="-355600">
+              <a:lnSpc>
+                <a:spcPct val="100000"/>
+              </a:lnSpc>
+              <a:buClr>
+                <a:schemeClr val="bg2"/>
+              </a:buClr>
+            </a:pPr>
+            <a:r>
+              <a:rPr lang="en-US" sz="2400" dirty="0">
+                <a:solidFill>
+                  <a:schemeClr val="bg2"/>
+                </a:solidFill>
+              </a:rPr>
+              <a:t>Find whole words only</a:t>
+            </a:r>
+            <a:endParaRPr lang="bg-BG" sz="2400" dirty="0">
+              <a:solidFill>
+                <a:schemeClr val="bg2"/>
+              </a:solidFill>
+            </a:endParaRPr>
           </a:p>
           <a:p>
             <a:pPr marL="355600" indent="-355600">
@@ -16390,82 +16517,123 @@
                   <a:schemeClr val="bg2"/>
                 </a:solidFill>
               </a:rPr>
-              <a:t> Замяна на текст</a:t>
-            </a:r>
-            <a:endParaRPr lang="en-US" sz="2400" dirty="0">
+              <a:t> </a:t>
+            </a:r>
+            <a:r>
+              <a:rPr lang="bg-BG" sz="2800" b="1" dirty="0">
+                <a:solidFill>
+                  <a:schemeClr val="bg1">
+                    <a:lumMod val="60000"/>
+                    <a:lumOff val="40000"/>
+                  </a:schemeClr>
+                </a:solidFill>
+              </a:rPr>
+              <a:t>Замяна</a:t>
+            </a:r>
+            <a:r>
+              <a:rPr lang="bg-BG" sz="2800" b="1" dirty="0">
+                <a:solidFill>
+                  <a:schemeClr val="bg2"/>
+                </a:solidFill>
+              </a:rPr>
+              <a:t> </a:t>
+            </a:r>
+            <a:r>
+              <a:rPr lang="bg-BG" sz="2800" dirty="0">
+                <a:solidFill>
+                  <a:schemeClr val="bg2"/>
+                </a:solidFill>
+              </a:rPr>
+              <a:t>на </a:t>
+            </a:r>
+            <a:r>
+              <a:rPr lang="bg-BG" sz="2800" dirty="0" smtClean="0">
+                <a:solidFill>
+                  <a:schemeClr val="bg2"/>
+                </a:solidFill>
+              </a:rPr>
+              <a:t>текст</a:t>
+            </a:r>
+            <a:endParaRPr lang="en-US" sz="2800" dirty="0" smtClean="0">
               <a:solidFill>
                 <a:schemeClr val="bg2"/>
               </a:solidFill>
             </a:endParaRPr>
           </a:p>
-        </p:txBody>
-      </p:sp>
-      <p:sp>
-        <p:nvSpPr>
-          <p:cNvPr id="2" name="Rectangle 1"/>
-          <p:cNvSpPr/>
-          <p:nvPr/>
-        </p:nvSpPr>
-        <p:spPr bwMode="auto">
-          <a:xfrm>
-            <a:off x="4116000" y="2709000"/>
-            <a:ext cx="4140000" cy="2070000"/>
-          </a:xfrm>
-          <a:prstGeom prst="rect">
-            <a:avLst/>
-          </a:prstGeom>
-          <a:ln/>
-        </p:spPr>
-        <p:style>
-          <a:lnRef idx="2">
-            <a:schemeClr val="accent1"/>
-          </a:lnRef>
-          <a:fillRef idx="1">
-            <a:schemeClr val="lt1"/>
-          </a:fillRef>
-          <a:effectRef idx="0">
-            <a:schemeClr val="accent1"/>
-          </a:effectRef>
-          <a:fontRef idx="minor">
-            <a:schemeClr val="dk1"/>
-          </a:fontRef>
-        </p:style>
-        <p:txBody>
-          <a:bodyPr rot="0" spcFirstLastPara="0" vertOverflow="overflow" horzOverflow="overflow" vert="horz" wrap="square" lIns="91440" tIns="45720" rIns="91440" bIns="45720" numCol="1" spcCol="0" rtlCol="0" fromWordArt="0" anchor="ctr" anchorCtr="0" forceAA="0" compatLnSpc="1">
-            <a:prstTxWarp prst="textNoShape">
-              <a:avLst/>
-            </a:prstTxWarp>
-            <a:noAutofit/>
-          </a:bodyPr>
-          <a:lstStyle/>
-          <a:p>
-            <a:pPr algn="ctr"/>
-            <a:r>
-              <a:rPr lang="bg-BG" sz="2800" b="1" dirty="0">
-                <a:solidFill>
-                  <a:srgbClr val="FFFFFF"/>
-                </a:solidFill>
-                <a:effectLst>
-                  <a:outerShdw blurRad="38100" dist="38100" dir="2700000" algn="tl">
-                    <a:srgbClr val="000000">
-                      <a:alpha val="43137"/>
-                    </a:srgbClr>
-                  </a:outerShdw>
-                </a:effectLst>
+          <a:p>
+            <a:pPr marL="355600" indent="-355600">
+              <a:lnSpc>
+                <a:spcPct val="100000"/>
+              </a:lnSpc>
+              <a:buClr>
+                <a:schemeClr val="bg2"/>
+              </a:buClr>
+            </a:pPr>
+            <a:r>
+              <a:rPr lang="bg-BG" sz="2400" dirty="0" smtClean="0">
+                <a:solidFill>
+                  <a:schemeClr val="bg2"/>
+                </a:solidFill>
               </a:rPr>
-              <a:t>По-добро заключение</a:t>
-            </a:r>
-            <a:endParaRPr lang="en-US" sz="2800" b="1" dirty="0">
+              <a:t>Получаване на </a:t>
+            </a:r>
+            <a:r>
+              <a:rPr lang="bg-BG" sz="2400" b="1" dirty="0" smtClean="0">
+                <a:solidFill>
+                  <a:schemeClr val="bg1">
+                    <a:lumMod val="60000"/>
+                    <a:lumOff val="40000"/>
+                  </a:schemeClr>
+                </a:solidFill>
+              </a:rPr>
+              <a:t>помощна информация</a:t>
+            </a:r>
+          </a:p>
+          <a:p>
+            <a:pPr marL="888666" lvl="1" indent="-355600">
+              <a:lnSpc>
+                <a:spcPct val="100000"/>
+              </a:lnSpc>
+              <a:buClr>
+                <a:schemeClr val="bg2"/>
+              </a:buClr>
+            </a:pPr>
+            <a:r>
+              <a:rPr lang="en-US" sz="2200" b="1" dirty="0" smtClean="0">
+                <a:solidFill>
+                  <a:schemeClr val="bg2"/>
+                </a:solidFill>
+              </a:rPr>
+              <a:t>F1</a:t>
+            </a:r>
+            <a:r>
+              <a:rPr lang="en-US" sz="2200" dirty="0" smtClean="0">
+                <a:solidFill>
+                  <a:schemeClr val="bg2"/>
+                </a:solidFill>
+              </a:rPr>
+              <a:t> – </a:t>
+            </a:r>
+            <a:r>
+              <a:rPr lang="bg-BG" sz="2200" dirty="0" smtClean="0">
+                <a:solidFill>
+                  <a:schemeClr val="bg2"/>
+                </a:solidFill>
+              </a:rPr>
+              <a:t>диалогов прозорец </a:t>
+            </a:r>
+            <a:r>
+              <a:rPr lang="en-US" sz="2200" b="1" dirty="0" smtClean="0">
+                <a:solidFill>
+                  <a:schemeClr val="bg2"/>
+                </a:solidFill>
+              </a:rPr>
+              <a:t>Help</a:t>
+            </a:r>
+            <a:endParaRPr lang="en-US" sz="2200" b="1" dirty="0">
               <a:solidFill>
-                <a:srgbClr val="FFFFFF"/>
+                <a:schemeClr val="bg2"/>
               </a:solidFill>
-              <a:effectLst>
-                <a:outerShdw blurRad="38100" dist="38100" dir="2700000" algn="tl">
-                  <a:srgbClr val="000000">
-                    <a:alpha val="43137"/>
-                  </a:srgbClr>
-                </a:outerShdw>
-              </a:effectLst>
             </a:endParaRPr>
           </a:p>
         </p:txBody>
@@ -16605,7 +16773,7 @@
                 <a:hlinkClick r:id="rId3">
                   <a:extLst>
                     <a:ext uri="{A12FA001-AC4F-418D-AE19-62706E023703}">
-                      <ahyp:hlinkClr xmlns:ahyp="http://schemas.microsoft.com/office/drawing/2018/hyperlinkcolor" val="tx"/>
+                      <ahyp:hlinkClr xmlns:ahyp="http://schemas.microsoft.com/office/drawing/2018/hyperlinkcolor" xmlns="" val="tx"/>
                     </a:ext>
                   </a:extLst>
                 </a:hlinkClick>

--- a/Courses/Computer-Modeling-and-IT/Computer-Modeling-and-IT-6-Class/06-Search-And-Replace-Text/06-Search-And-Replace-Text.pptx
+++ b/Courses/Computer-Modeling-and-IT/Computer-Modeling-and-IT-6-Class/06-Search-And-Replace-Text/06-Search-And-Replace-Text.pptx
@@ -307,7 +307,7 @@
           <a:p>
             <a:fld id="{4E087215-0C8F-4762-A664-737A353EC9A4}" type="datetimeFigureOut">
               <a:rPr lang="bg-BG" smtClean="0"/>
-              <a:t>24.4.2024 г.</a:t>
+              <a:t>13.5.2024 г.</a:t>
             </a:fld>
             <a:endParaRPr lang="bg-BG"/>
           </a:p>
@@ -503,7 +503,7 @@
           <a:p>
             <a:fld id="{72D84649-876A-46C9-8472-14CB09C070D8}" type="datetimeFigureOut">
               <a:rPr lang="en-US" smtClean="0"/>
-              <a:t>4/24/2024</a:t>
+              <a:t>13-May-24</a:t>
             </a:fld>
             <a:endParaRPr lang="en-US"/>
           </a:p>
@@ -7406,7 +7406,7 @@
           <a:p>
             <a:r>
               <a:rPr lang="en-US" dirty="0"/>
-              <a:t>Advanced find</a:t>
+              <a:t>Advanced Find</a:t>
             </a:r>
           </a:p>
         </p:txBody>
@@ -7886,7 +7886,7 @@
           <a:p>
             <a:r>
               <a:rPr lang="en-US" dirty="0"/>
-              <a:t>Advanced find</a:t>
+              <a:t>Advanced Find</a:t>
             </a:r>
           </a:p>
         </p:txBody>
@@ -8243,7 +8243,7 @@
           <a:p>
             <a:r>
               <a:rPr lang="en-US" dirty="0"/>
-              <a:t>Advanced find</a:t>
+              <a:t>Advanced Find</a:t>
             </a:r>
           </a:p>
         </p:txBody>
@@ -8516,7 +8516,7 @@
           <a:p>
             <a:r>
               <a:rPr lang="en-US" dirty="0"/>
-              <a:t>Advanced find</a:t>
+              <a:t>Advanced Find</a:t>
             </a:r>
           </a:p>
         </p:txBody>
@@ -9599,7 +9599,7 @@
           <a:p>
             <a:r>
               <a:rPr lang="en-US" dirty="0"/>
-              <a:t>Advanced find</a:t>
+              <a:t>Advanced Find</a:t>
             </a:r>
             <a:r>
               <a:rPr lang="bg-BG" dirty="0"/>
@@ -10795,7 +10795,7 @@
           <a:p>
             <a:r>
               <a:rPr lang="en-US" dirty="0"/>
-              <a:t>Advanced find</a:t>
+              <a:t>Advanced Find</a:t>
             </a:r>
             <a:r>
               <a:rPr lang="bg-BG" dirty="0"/>
@@ -11716,7 +11716,7 @@
           <a:p>
             <a:r>
               <a:rPr lang="en-US" dirty="0"/>
-              <a:t>Advanced find</a:t>
+              <a:t>Advanced Find</a:t>
             </a:r>
             <a:r>
               <a:rPr lang="bg-BG" dirty="0"/>
@@ -12312,7 +12312,7 @@
           <a:p>
             <a:r>
               <a:rPr lang="en-US" dirty="0"/>
-              <a:t>Find and replace</a:t>
+              <a:t>Find and Replace</a:t>
             </a:r>
           </a:p>
         </p:txBody>
@@ -16391,17 +16391,9 @@
                   <a:schemeClr val="bg2"/>
                 </a:solidFill>
               </a:rPr>
-              <a:t>на </a:t>
-            </a:r>
-            <a:r>
-              <a:rPr lang="bg-BG" sz="2800" dirty="0" smtClean="0">
-                <a:solidFill>
-                  <a:schemeClr val="bg2"/>
-                </a:solidFill>
-              </a:rPr>
-              <a:t>текст</a:t>
-            </a:r>
-            <a:endParaRPr lang="en-US" sz="2800" dirty="0" smtClean="0">
+              <a:t>на текст</a:t>
+            </a:r>
+            <a:endParaRPr lang="en-US" sz="2800" dirty="0">
               <a:solidFill>
                 <a:schemeClr val="bg2"/>
               </a:solidFill>
@@ -16417,7 +16409,7 @@
               </a:buClr>
             </a:pPr>
             <a:r>
-              <a:rPr lang="en-US" sz="2600" b="1" dirty="0" smtClean="0">
+              <a:rPr lang="en-US" sz="2600" b="1" dirty="0">
                 <a:solidFill>
                   <a:schemeClr val="bg2"/>
                 </a:solidFill>
@@ -16435,7 +16427,7 @@
               </a:buClr>
             </a:pPr>
             <a:r>
-              <a:rPr lang="en-US" sz="2600" b="1" dirty="0" smtClean="0">
+              <a:rPr lang="en-US" sz="2600" b="1" dirty="0">
                 <a:solidFill>
                   <a:schemeClr val="bg2"/>
                 </a:solidFill>
@@ -16453,7 +16445,7 @@
               </a:buClr>
             </a:pPr>
             <a:r>
-              <a:rPr lang="en-US" sz="2400" dirty="0" smtClean="0">
+              <a:rPr lang="en-US" sz="2400" dirty="0">
                 <a:solidFill>
                   <a:schemeClr val="bg2"/>
                 </a:solidFill>
@@ -16471,7 +16463,7 @@
               </a:buClr>
             </a:pPr>
             <a:r>
-              <a:rPr lang="en-US" sz="2400" dirty="0" smtClean="0">
+              <a:rPr lang="en-US" sz="2400" dirty="0">
                 <a:solidFill>
                   <a:schemeClr val="bg2"/>
                 </a:solidFill>
@@ -16544,17 +16536,9 @@
                   <a:schemeClr val="bg2"/>
                 </a:solidFill>
               </a:rPr>
-              <a:t>на </a:t>
-            </a:r>
-            <a:r>
-              <a:rPr lang="bg-BG" sz="2800" dirty="0" smtClean="0">
-                <a:solidFill>
-                  <a:schemeClr val="bg2"/>
-                </a:solidFill>
-              </a:rPr>
-              <a:t>текст</a:t>
-            </a:r>
-            <a:endParaRPr lang="en-US" sz="2800" dirty="0" smtClean="0">
+              <a:t>на текст</a:t>
+            </a:r>
+            <a:endParaRPr lang="en-US" sz="2800" dirty="0">
               <a:solidFill>
                 <a:schemeClr val="bg2"/>
               </a:solidFill>
@@ -16570,7 +16554,7 @@
               </a:buClr>
             </a:pPr>
             <a:r>
-              <a:rPr lang="bg-BG" sz="2400" dirty="0" smtClean="0">
+              <a:rPr lang="bg-BG" sz="2400" dirty="0">
                 <a:solidFill>
                   <a:schemeClr val="bg2"/>
                 </a:solidFill>
@@ -16578,7 +16562,7 @@
               <a:t>Получаване на </a:t>
             </a:r>
             <a:r>
-              <a:rPr lang="bg-BG" sz="2400" b="1" dirty="0" smtClean="0">
+              <a:rPr lang="bg-BG" sz="2400" b="1" dirty="0">
                 <a:solidFill>
                   <a:schemeClr val="bg1">
                     <a:lumMod val="60000"/>
@@ -16599,7 +16583,7 @@
               </a:buClr>
             </a:pPr>
             <a:r>
-              <a:rPr lang="en-US" sz="2200" b="1" dirty="0" smtClean="0">
+              <a:rPr lang="en-US" sz="2200" b="1" dirty="0">
                 <a:solidFill>
                   <a:schemeClr val="bg2"/>
                 </a:solidFill>
@@ -16607,7 +16591,7 @@
               <a:t>F1</a:t>
             </a:r>
             <a:r>
-              <a:rPr lang="en-US" sz="2200" dirty="0" smtClean="0">
+              <a:rPr lang="en-US" sz="2200" dirty="0">
                 <a:solidFill>
                   <a:schemeClr val="bg2"/>
                 </a:solidFill>
@@ -16615,7 +16599,7 @@
               <a:t> – </a:t>
             </a:r>
             <a:r>
-              <a:rPr lang="bg-BG" sz="2200" dirty="0" smtClean="0">
+              <a:rPr lang="bg-BG" sz="2200" dirty="0">
                 <a:solidFill>
                   <a:schemeClr val="bg2"/>
                 </a:solidFill>
@@ -16623,18 +16607,13 @@
               <a:t>диалогов прозорец </a:t>
             </a:r>
             <a:r>
-              <a:rPr lang="en-US" sz="2200" b="1" dirty="0" smtClean="0">
+              <a:rPr lang="en-US" sz="2200" b="1" dirty="0">
                 <a:solidFill>
                   <a:schemeClr val="bg2"/>
                 </a:solidFill>
               </a:rPr>
               <a:t>Help</a:t>
             </a:r>
-            <a:endParaRPr lang="en-US" sz="2200" b="1" dirty="0">
-              <a:solidFill>
-                <a:schemeClr val="bg2"/>
-              </a:solidFill>
-            </a:endParaRPr>
           </a:p>
         </p:txBody>
       </p:sp>
@@ -16773,7 +16752,7 @@
                 <a:hlinkClick r:id="rId3">
                   <a:extLst>
                     <a:ext uri="{A12FA001-AC4F-418D-AE19-62706E023703}">
-                      <ahyp:hlinkClr xmlns:ahyp="http://schemas.microsoft.com/office/drawing/2018/hyperlinkcolor" xmlns="" val="tx"/>
+                      <ahyp:hlinkClr xmlns:ahyp="http://schemas.microsoft.com/office/drawing/2018/hyperlinkcolor" val="tx"/>
                     </a:ext>
                   </a:extLst>
                 </a:hlinkClick>
@@ -16850,7 +16829,7 @@
 </file>
 
 <file path=ppt/slides/slide26.xml><?xml version="1.0" encoding="utf-8"?>
-<p:sld xmlns:a="http://schemas.openxmlformats.org/drawingml/2006/main" xmlns:r="http://schemas.openxmlformats.org/officeDocument/2006/relationships" xmlns:p="http://schemas.openxmlformats.org/presentationml/2006/main">
+<p:sld xmlns:a="http://schemas.openxmlformats.org/drawingml/2006/main" xmlns:r="http://schemas.openxmlformats.org/officeDocument/2006/relationships" xmlns:p="http://schemas.openxmlformats.org/presentationml/2006/main" show="0">
   <p:cSld>
     <p:spTree>
       <p:nvGrpSpPr>
@@ -17221,11 +17200,11 @@
   <p:clrMapOvr>
     <a:masterClrMapping/>
   </p:clrMapOvr>
-  <mc:AlternateContent xmlns:mc="http://schemas.openxmlformats.org/markup-compatibility/2006" xmlns:p14="http://schemas.microsoft.com/office/powerpoint/2010/main">
-    <mc:Choice Requires="p14">
+  <mc:AlternateContent xmlns:mc="http://schemas.openxmlformats.org/markup-compatibility/2006">
+    <mc:Choice xmlns:p14="http://schemas.microsoft.com/office/powerpoint/2010/main" Requires="p14">
       <p:transition spd="slow" p14:dur="2000" advClick="0" advTm="5000"/>
     </mc:Choice>
-    <mc:Fallback xmlns="">
+    <mc:Fallback>
       <p:transition spd="slow" advClick="0" advTm="5000"/>
     </mc:Fallback>
   </mc:AlternateContent>
@@ -18725,13 +18704,13 @@
         </p:nvSpPr>
         <p:spPr bwMode="auto">
           <a:xfrm>
-            <a:off x="2991000" y="1165425"/>
-            <a:ext cx="4995000" cy="2218575"/>
+            <a:off x="2813055" y="1886277"/>
+            <a:ext cx="3240000" cy="1503000"/>
           </a:xfrm>
           <a:prstGeom prst="wedgeRoundRectCallout">
             <a:avLst>
-              <a:gd name="adj1" fmla="val -69313"/>
-              <a:gd name="adj2" fmla="val 39090"/>
+              <a:gd name="adj1" fmla="val -72001"/>
+              <a:gd name="adj2" fmla="val 36917"/>
               <a:gd name="adj3" fmla="val 16667"/>
             </a:avLst>
           </a:prstGeom>
@@ -18789,11 +18768,98 @@
                   </a:outerShdw>
                 </a:effectLst>
               </a:rPr>
-              <a:t>За да намерите желаните от вас резултати, въведете търсената дума или изречение в текстовата кутия</a:t>
+              <a:t>Въведете тук </a:t>
+            </a:r>
+            <a:r>
+              <a:rPr lang="bg-BG" sz="2800" b="1" dirty="0">
+                <a:solidFill>
+                  <a:schemeClr val="bg1">
+                    <a:lumMod val="40000"/>
+                    <a:lumOff val="60000"/>
+                  </a:schemeClr>
+                </a:solidFill>
+                <a:effectLst>
+                  <a:outerShdw blurRad="38100" dist="38100" dir="2700000" algn="tl">
+                    <a:srgbClr val="000000">
+                      <a:alpha val="43137"/>
+                    </a:srgbClr>
+                  </a:outerShdw>
+                </a:effectLst>
+              </a:rPr>
+              <a:t>търсената</a:t>
+            </a:r>
+            <a:r>
+              <a:rPr lang="bg-BG" sz="2800" b="1" dirty="0">
+                <a:solidFill>
+                  <a:srgbClr val="FFFFFF"/>
+                </a:solidFill>
+                <a:effectLst>
+                  <a:outerShdw blurRad="38100" dist="38100" dir="2700000" algn="tl">
+                    <a:srgbClr val="000000">
+                      <a:alpha val="43137"/>
+                    </a:srgbClr>
+                  </a:outerShdw>
+                </a:effectLst>
+              </a:rPr>
+              <a:t> </a:t>
+            </a:r>
+            <a:r>
+              <a:rPr lang="bg-BG" sz="2800" b="1" dirty="0">
+                <a:solidFill>
+                  <a:schemeClr val="bg1">
+                    <a:lumMod val="40000"/>
+                    <a:lumOff val="60000"/>
+                  </a:schemeClr>
+                </a:solidFill>
+                <a:effectLst>
+                  <a:outerShdw blurRad="38100" dist="38100" dir="2700000" algn="tl">
+                    <a:srgbClr val="000000">
+                      <a:alpha val="43137"/>
+                    </a:srgbClr>
+                  </a:outerShdw>
+                </a:effectLst>
+              </a:rPr>
+              <a:t>дума</a:t>
+            </a:r>
+            <a:r>
+              <a:rPr lang="bg-BG" sz="2800" b="1" dirty="0">
+                <a:solidFill>
+                  <a:srgbClr val="FFFFFF"/>
+                </a:solidFill>
+                <a:effectLst>
+                  <a:outerShdw blurRad="38100" dist="38100" dir="2700000" algn="tl">
+                    <a:srgbClr val="000000">
+                      <a:alpha val="43137"/>
+                    </a:srgbClr>
+                  </a:outerShdw>
+                </a:effectLst>
+              </a:rPr>
+              <a:t> или </a:t>
+            </a:r>
+            <a:r>
+              <a:rPr lang="bg-BG" sz="2800" b="1" dirty="0">
+                <a:solidFill>
+                  <a:schemeClr val="bg1">
+                    <a:lumMod val="40000"/>
+                    <a:lumOff val="60000"/>
+                  </a:schemeClr>
+                </a:solidFill>
+                <a:effectLst>
+                  <a:outerShdw blurRad="38100" dist="38100" dir="2700000" algn="tl">
+                    <a:srgbClr val="000000">
+                      <a:alpha val="43137"/>
+                    </a:srgbClr>
+                  </a:outerShdw>
+                </a:effectLst>
+              </a:rPr>
+              <a:t>фраза</a:t>
             </a:r>
             <a:endParaRPr lang="en-US" sz="2800" b="1" dirty="0">
               <a:solidFill>
-                <a:srgbClr val="FFFFFF"/>
+                <a:schemeClr val="bg1">
+                  <a:lumMod val="40000"/>
+                  <a:lumOff val="60000"/>
+                </a:schemeClr>
               </a:solidFill>
               <a:effectLst>
                 <a:outerShdw blurRad="38100" dist="38100" dir="2700000" algn="tl">
@@ -18814,13 +18880,13 @@
         </p:nvSpPr>
         <p:spPr bwMode="auto">
           <a:xfrm>
-            <a:off x="3801000" y="5152500"/>
-            <a:ext cx="5916075" cy="1503000"/>
+            <a:off x="3891000" y="5139000"/>
+            <a:ext cx="5894999" cy="1170000"/>
           </a:xfrm>
           <a:prstGeom prst="wedgeRoundRectCallout">
             <a:avLst>
-              <a:gd name="adj1" fmla="val -55722"/>
-              <a:gd name="adj2" fmla="val -36362"/>
+              <a:gd name="adj1" fmla="val -58307"/>
+              <a:gd name="adj2" fmla="val -31710"/>
               <a:gd name="adj3" fmla="val 16667"/>
             </a:avLst>
           </a:prstGeom>
@@ -18878,14 +18944,29 @@
                   </a:outerShdw>
                 </a:effectLst>
               </a:rPr>
-              <a:t>Така в раздела </a:t>
+              <a:t>В раздел </a:t>
             </a:r>
             <a:r>
               <a:rPr lang="en-US" sz="2800" b="1" dirty="0">
                 <a:solidFill>
+                  <a:srgbClr val="FFFFFF"/>
+                </a:solidFill>
+                <a:effectLst>
+                  <a:outerShdw blurRad="38100" dist="38100" dir="2700000" algn="tl">
+                    <a:srgbClr val="000000">
+                      <a:alpha val="43137"/>
+                    </a:srgbClr>
+                  </a:outerShdw>
+                </a:effectLst>
+              </a:rPr>
+              <a:t>[</a:t>
+            </a:r>
+            <a:r>
+              <a:rPr lang="en-US" sz="2800" b="1" dirty="0">
+                <a:solidFill>
                   <a:schemeClr val="bg1">
-                    <a:lumMod val="60000"/>
-                    <a:lumOff val="40000"/>
+                    <a:lumMod val="40000"/>
+                    <a:lumOff val="60000"/>
                   </a:schemeClr>
                 </a:solidFill>
                 <a:effectLst>
@@ -18911,7 +18992,70 @@
                   </a:outerShdw>
                 </a:effectLst>
               </a:rPr>
-              <a:t> се показват кратки цитати от документа, където се среща търсеният текст</a:t>
+              <a:t> </a:t>
+            </a:r>
+            <a:r>
+              <a:rPr lang="en-US" sz="2800" b="1" dirty="0">
+                <a:solidFill>
+                  <a:srgbClr val="FFFFFF"/>
+                </a:solidFill>
+                <a:effectLst>
+                  <a:outerShdw blurRad="38100" dist="38100" dir="2700000" algn="tl">
+                    <a:srgbClr val="000000">
+                      <a:alpha val="43137"/>
+                    </a:srgbClr>
+                  </a:outerShdw>
+                </a:effectLst>
+              </a:rPr>
+              <a:t>/ </a:t>
+            </a:r>
+            <a:r>
+              <a:rPr lang="bg-BG" sz="2800" b="1" dirty="0">
+                <a:solidFill>
+                  <a:schemeClr val="bg1">
+                    <a:lumMod val="40000"/>
+                    <a:lumOff val="60000"/>
+                  </a:schemeClr>
+                </a:solidFill>
+                <a:effectLst>
+                  <a:outerShdw blurRad="38100" dist="38100" dir="2700000" algn="tl">
+                    <a:srgbClr val="000000">
+                      <a:alpha val="43137"/>
+                    </a:srgbClr>
+                  </a:outerShdw>
+                </a:effectLst>
+              </a:rPr>
+              <a:t>Резултати</a:t>
+            </a:r>
+            <a:r>
+              <a:rPr lang="en-US" sz="2800" b="1" dirty="0">
+                <a:solidFill>
+                  <a:srgbClr val="FFFFFF"/>
+                </a:solidFill>
+                <a:effectLst>
+                  <a:outerShdw blurRad="38100" dist="38100" dir="2700000" algn="tl">
+                    <a:srgbClr val="000000">
+                      <a:alpha val="43137"/>
+                    </a:srgbClr>
+                  </a:outerShdw>
+                </a:effectLst>
+              </a:rPr>
+              <a:t>]</a:t>
+            </a:r>
+            <a:r>
+              <a:rPr lang="bg-BG" sz="2800" b="1" dirty="0">
+                <a:solidFill>
+                  <a:srgbClr val="FFFFFF"/>
+                </a:solidFill>
+                <a:effectLst>
+                  <a:outerShdw blurRad="38100" dist="38100" dir="2700000" algn="tl">
+                    <a:srgbClr val="000000">
+                      <a:alpha val="43137"/>
+                    </a:srgbClr>
+                  </a:outerShdw>
+                </a:effectLst>
+              </a:rPr>
+              <a:t> се показват цитати с намерения текст</a:t>
             </a:r>
             <a:endParaRPr lang="en-US" sz="2800" b="1" dirty="0">
               <a:solidFill>
@@ -19002,8 +19146,8 @@
         </p:nvSpPr>
         <p:spPr bwMode="auto">
           <a:xfrm>
-            <a:off x="8526000" y="2079000"/>
-            <a:ext cx="3487500" cy="2094053"/>
+            <a:off x="8087030" y="2979000"/>
+            <a:ext cx="3666000" cy="1170000"/>
           </a:xfrm>
           <a:prstGeom prst="wedgeRoundRectCallout">
             <a:avLst>
@@ -19066,19 +19210,26 @@
                   </a:outerShdw>
                 </a:effectLst>
               </a:rPr>
-              <a:t>Също така в документа се оцветяват в жълто всички съвпадения</a:t>
+              <a:t>Всички съвпадения се оцветяват в </a:t>
+            </a:r>
+            <a:r>
+              <a:rPr lang="bg-BG" sz="2800" b="1" dirty="0">
+                <a:solidFill>
+                  <a:schemeClr val="tx1"/>
+                </a:solidFill>
+                <a:highlight>
+                  <a:srgbClr val="FFFF00"/>
+                </a:highlight>
+              </a:rPr>
+              <a:t>жълто</a:t>
             </a:r>
             <a:endParaRPr lang="en-US" sz="2800" b="1" dirty="0">
               <a:solidFill>
-                <a:srgbClr val="FFFFFF"/>
+                <a:schemeClr val="tx1"/>
               </a:solidFill>
-              <a:effectLst>
-                <a:outerShdw blurRad="38100" dist="38100" dir="2700000" algn="tl">
-                  <a:srgbClr val="000000">
-                    <a:alpha val="43137"/>
-                  </a:srgbClr>
-                </a:outerShdw>
-              </a:effectLst>
+              <a:highlight>
+                <a:srgbClr val="FFFF00"/>
+              </a:highlight>
             </a:endParaRPr>
           </a:p>
         </p:txBody>
@@ -19509,7 +19660,7 @@
         <p:spPr bwMode="auto">
           <a:xfrm>
             <a:off x="6878207" y="2529000"/>
-            <a:ext cx="3639029" cy="1800000"/>
+            <a:ext cx="4032793" cy="2070000"/>
           </a:xfrm>
           <a:prstGeom prst="wedgeRoundRectCallout">
             <a:avLst>
@@ -19590,7 +19741,7 @@
                   </a:outerShdw>
                 </a:effectLst>
               </a:rPr>
-              <a:t>се намира в падащото меню на </a:t>
+              <a:t>(разширено търсене) се намира в падащото меню на </a:t>
             </a:r>
             <a:r>
               <a:rPr lang="en-US" sz="2800" b="1" dirty="0">
@@ -19917,7 +20068,7 @@
           <a:p>
             <a:r>
               <a:rPr lang="en-US" dirty="0"/>
-              <a:t>Advanced find</a:t>
+              <a:t>Advanced Find</a:t>
             </a:r>
           </a:p>
         </p:txBody>
@@ -20544,7 +20695,7 @@
           <a:p>
             <a:r>
               <a:rPr lang="en-US" dirty="0"/>
-              <a:t>Advanced find</a:t>
+              <a:t>Advanced Find</a:t>
             </a:r>
           </a:p>
         </p:txBody>

--- a/Courses/Computer-Modeling-and-IT/Computer-Modeling-and-IT-6-Class/06-Search-And-Replace-Text/06-Search-And-Replace-Text.pptx
+++ b/Courses/Computer-Modeling-and-IT/Computer-Modeling-and-IT-6-Class/06-Search-And-Replace-Text/06-Search-And-Replace-Text.pptx
@@ -307,7 +307,7 @@
           <a:p>
             <a:fld id="{4E087215-0C8F-4762-A664-737A353EC9A4}" type="datetimeFigureOut">
               <a:rPr lang="bg-BG" smtClean="0"/>
-              <a:t>13.5.2024 г.</a:t>
+              <a:t>13.05.24 г.</a:t>
             </a:fld>
             <a:endParaRPr lang="bg-BG"/>
           </a:p>
@@ -503,7 +503,7 @@
           <a:p>
             <a:fld id="{72D84649-876A-46C9-8472-14CB09C070D8}" type="datetimeFigureOut">
               <a:rPr lang="en-US" smtClean="0"/>
-              <a:t>13-May-24</a:t>
+              <a:t>5/13/24</a:t>
             </a:fld>
             <a:endParaRPr lang="en-US"/>
           </a:p>
@@ -7623,7 +7623,7 @@
             <a:r>
               <a:rPr lang="en-US" sz="2800" b="1" dirty="0">
                 <a:solidFill>
-                  <a:schemeClr val="bg1">
+                  <a:schemeClr val="accent1">
                     <a:lumMod val="60000"/>
                     <a:lumOff val="40000"/>
                   </a:schemeClr>
@@ -8622,7 +8622,7 @@
             <a:r>
               <a:rPr lang="en-US" sz="2800" b="1" dirty="0">
                 <a:solidFill>
-                  <a:schemeClr val="bg1">
+                  <a:schemeClr val="accent1">
                     <a:lumMod val="60000"/>
                     <a:lumOff val="40000"/>
                   </a:schemeClr>
@@ -8688,7 +8688,7 @@
             <a:r>
               <a:rPr lang="en-US" sz="2800" b="1" dirty="0">
                 <a:solidFill>
-                  <a:schemeClr val="bg1">
+                  <a:schemeClr val="accent1">
                     <a:lumMod val="60000"/>
                     <a:lumOff val="40000"/>
                   </a:schemeClr>
@@ -9782,7 +9782,7 @@
             <a:r>
               <a:rPr lang="bg-BG" sz="2600" b="1" dirty="0">
                 <a:solidFill>
-                  <a:schemeClr val="bg1">
+                  <a:schemeClr val="accent1">
                     <a:lumMod val="60000"/>
                     <a:lumOff val="40000"/>
                   </a:schemeClr>
@@ -10948,7 +10948,7 @@
             <a:r>
               <a:rPr lang="bg-BG" sz="2800" b="1" dirty="0">
                 <a:solidFill>
-                  <a:schemeClr val="bg1">
+                  <a:schemeClr val="accent1">
                     <a:lumMod val="60000"/>
                     <a:lumOff val="40000"/>
                   </a:schemeClr>
@@ -11943,7 +11943,7 @@
             <a:r>
               <a:rPr lang="bg-BG" sz="2800" b="1" dirty="0">
                 <a:solidFill>
-                  <a:schemeClr val="bg1">
+                  <a:schemeClr val="accent1">
                     <a:lumMod val="60000"/>
                     <a:lumOff val="40000"/>
                   </a:schemeClr>
@@ -12567,7 +12567,7 @@
             <a:r>
               <a:rPr lang="en-US" sz="2800" b="1" dirty="0">
                 <a:solidFill>
-                  <a:schemeClr val="bg1">
+                  <a:schemeClr val="accent1">
                     <a:lumMod val="60000"/>
                     <a:lumOff val="40000"/>
                   </a:schemeClr>
@@ -12765,7 +12765,7 @@
             <a:r>
               <a:rPr lang="en-US" sz="2800" b="1" dirty="0">
                 <a:solidFill>
-                  <a:schemeClr val="bg1">
+                  <a:schemeClr val="accent1">
                     <a:lumMod val="60000"/>
                     <a:lumOff val="40000"/>
                   </a:schemeClr>
@@ -12780,18 +12780,6 @@
               </a:rPr>
               <a:t>Find and Replace</a:t>
             </a:r>
-            <a:endParaRPr lang="en-US" sz="2800" b="1" dirty="0">
-              <a:solidFill>
-                <a:srgbClr val="FFFFFF"/>
-              </a:solidFill>
-              <a:effectLst>
-                <a:outerShdw blurRad="38100" dist="38100" dir="2700000" algn="tl">
-                  <a:srgbClr val="000000">
-                    <a:alpha val="43137"/>
-                  </a:srgbClr>
-                </a:outerShdw>
-              </a:effectLst>
-            </a:endParaRPr>
           </a:p>
         </p:txBody>
       </p:sp>
@@ -12902,7 +12890,7 @@
             <a:r>
               <a:rPr lang="en-US" sz="2800" b="1" dirty="0">
                 <a:solidFill>
-                  <a:schemeClr val="bg1">
+                  <a:schemeClr val="accent1">
                     <a:lumMod val="60000"/>
                     <a:lumOff val="40000"/>
                   </a:schemeClr>
@@ -12944,6 +12932,36 @@
                 </a:outerShdw>
               </a:effectLst>
             </a:endParaRPr>
+          </a:p>
+        </p:txBody>
+      </p:sp>
+      <p:sp>
+        <p:nvSpPr>
+          <p:cNvPr id="2" name="Slide Number Placeholder 1">
+            <a:extLst>
+              <a:ext uri="{FF2B5EF4-FFF2-40B4-BE49-F238E27FC236}">
+                <a16:creationId xmlns:a16="http://schemas.microsoft.com/office/drawing/2014/main" id="{F51EA257-A0A2-A3E7-3159-24B0DC0CC6F8}"/>
+              </a:ext>
+            </a:extLst>
+          </p:cNvPr>
+          <p:cNvSpPr>
+            <a:spLocks noGrp="1"/>
+          </p:cNvSpPr>
+          <p:nvPr>
+            <p:ph type="sldNum" sz="quarter" idx="5"/>
+          </p:nvPr>
+        </p:nvSpPr>
+        <p:spPr/>
+        <p:txBody>
+          <a:bodyPr/>
+          <a:lstStyle/>
+          <a:p>
+            <a:fld id="{2BF067CD-8E6B-4360-9AA8-C5DF2A48A6D1}" type="slidenum">
+              <a:rPr lang="en-US" noProof="0" smtClean="0"/>
+              <a:pPr/>
+              <a:t>18</a:t>
+            </a:fld>
+            <a:endParaRPr lang="en-US" noProof="0" dirty="0"/>
           </a:p>
         </p:txBody>
       </p:sp>
@@ -13348,7 +13366,7 @@
             <a:r>
               <a:rPr lang="en-US" sz="2800" b="1" dirty="0">
                 <a:solidFill>
-                  <a:schemeClr val="bg1">
+                  <a:schemeClr val="accent1">
                     <a:lumMod val="60000"/>
                     <a:lumOff val="40000"/>
                   </a:schemeClr>
@@ -13470,7 +13488,7 @@
             <a:r>
               <a:rPr lang="en-US" sz="2800" b="1" dirty="0">
                 <a:solidFill>
-                  <a:schemeClr val="bg1">
+                  <a:schemeClr val="accent1">
                     <a:lumMod val="60000"/>
                     <a:lumOff val="40000"/>
                   </a:schemeClr>
@@ -13483,22 +13501,7 @@
                   </a:outerShdw>
                 </a:effectLst>
               </a:rPr>
-              <a:t>Replace with</a:t>
-            </a:r>
-            <a:r>
-              <a:rPr lang="en-US" sz="2800" b="1" dirty="0">
-                <a:solidFill>
-                  <a:srgbClr val="FFFFFF"/>
-                </a:solidFill>
-                <a:effectLst>
-                  <a:outerShdw blurRad="38100" dist="38100" dir="2700000" algn="tl">
-                    <a:srgbClr val="000000">
-                      <a:alpha val="43137"/>
-                    </a:srgbClr>
-                  </a:outerShdw>
-                </a:effectLst>
-              </a:rPr>
-              <a:t> </a:t>
+              <a:t>Replace with </a:t>
             </a:r>
             <a:r>
               <a:rPr lang="bg-BG" sz="2800" b="1" dirty="0">
@@ -13622,7 +13625,7 @@
             <a:r>
               <a:rPr lang="en-US" sz="2800" b="1" dirty="0">
                 <a:solidFill>
-                  <a:schemeClr val="bg1">
+                  <a:schemeClr val="accent1">
                     <a:lumMod val="60000"/>
                     <a:lumOff val="40000"/>
                   </a:schemeClr>
@@ -13670,7 +13673,7 @@
             <a:r>
               <a:rPr lang="bg-BG" sz="2800" b="1" dirty="0">
                 <a:solidFill>
-                  <a:schemeClr val="bg1">
+                  <a:schemeClr val="accent1">
                     <a:lumMod val="60000"/>
                     <a:lumOff val="40000"/>
                   </a:schemeClr>
@@ -13792,7 +13795,7 @@
             <a:r>
               <a:rPr lang="en-US" sz="2800" b="1" dirty="0">
                 <a:solidFill>
-                  <a:schemeClr val="bg1">
+                  <a:schemeClr val="accent1">
                     <a:lumMod val="60000"/>
                     <a:lumOff val="40000"/>
                   </a:schemeClr>
@@ -14375,6 +14378,36 @@
           </a:prstGeom>
         </p:spPr>
       </p:pic>
+      <p:sp>
+        <p:nvSpPr>
+          <p:cNvPr id="2" name="Slide Number Placeholder 1">
+            <a:extLst>
+              <a:ext uri="{FF2B5EF4-FFF2-40B4-BE49-F238E27FC236}">
+                <a16:creationId xmlns:a16="http://schemas.microsoft.com/office/drawing/2014/main" id="{4906596D-3326-3C69-9808-EEF2EE82D6B3}"/>
+              </a:ext>
+            </a:extLst>
+          </p:cNvPr>
+          <p:cNvSpPr>
+            <a:spLocks noGrp="1"/>
+          </p:cNvSpPr>
+          <p:nvPr>
+            <p:ph type="sldNum" sz="quarter" idx="4"/>
+          </p:nvPr>
+        </p:nvSpPr>
+        <p:spPr/>
+        <p:txBody>
+          <a:bodyPr/>
+          <a:lstStyle/>
+          <a:p>
+            <a:fld id="{2BF067CD-8E6B-4360-9AA8-C5DF2A48A6D1}" type="slidenum">
+              <a:rPr lang="en-US" noProof="0" smtClean="0"/>
+              <a:pPr/>
+              <a:t>2</a:t>
+            </a:fld>
+            <a:endParaRPr lang="en-US" noProof="0"/>
+          </a:p>
+        </p:txBody>
+      </p:sp>
     </p:spTree>
     <p:extLst>
       <p:ext uri="{BB962C8B-B14F-4D97-AF65-F5344CB8AC3E}">
@@ -15384,6 +15417,36 @@
           </a:prstGeom>
         </p:spPr>
       </p:pic>
+      <p:sp>
+        <p:nvSpPr>
+          <p:cNvPr id="2" name="Slide Number Placeholder 1">
+            <a:extLst>
+              <a:ext uri="{FF2B5EF4-FFF2-40B4-BE49-F238E27FC236}">
+                <a16:creationId xmlns:a16="http://schemas.microsoft.com/office/drawing/2014/main" id="{04313F19-6062-249C-8B05-040238E4B133}"/>
+              </a:ext>
+            </a:extLst>
+          </p:cNvPr>
+          <p:cNvSpPr>
+            <a:spLocks noGrp="1"/>
+          </p:cNvSpPr>
+          <p:nvPr>
+            <p:ph type="sldNum" sz="quarter" idx="5"/>
+          </p:nvPr>
+        </p:nvSpPr>
+        <p:spPr/>
+        <p:txBody>
+          <a:bodyPr/>
+          <a:lstStyle/>
+          <a:p>
+            <a:fld id="{2BF067CD-8E6B-4360-9AA8-C5DF2A48A6D1}" type="slidenum">
+              <a:rPr lang="en-US" noProof="0" smtClean="0"/>
+              <a:pPr/>
+              <a:t>22</a:t>
+            </a:fld>
+            <a:endParaRPr lang="en-US" noProof="0" dirty="0"/>
+          </a:p>
+        </p:txBody>
+      </p:sp>
     </p:spTree>
     <p:extLst>
       <p:ext uri="{BB962C8B-B14F-4D97-AF65-F5344CB8AC3E}">
@@ -15841,132 +15904,6 @@
           </a:p>
         </p:txBody>
       </p:sp>
-      <p:sp>
-        <p:nvSpPr>
-          <p:cNvPr id="6" name="Slide Number Placeholder 5"/>
-          <p:cNvSpPr>
-            <a:spLocks noGrp="1"/>
-          </p:cNvSpPr>
-          <p:nvPr>
-            <p:ph type="sldNum" sz="quarter" idx="13"/>
-          </p:nvPr>
-        </p:nvSpPr>
-        <p:spPr>
-          <a:xfrm>
-            <a:off x="11566412" y="6397196"/>
-            <a:ext cx="428822" cy="308845"/>
-          </a:xfrm>
-          <a:prstGeom prst="rect">
-            <a:avLst/>
-          </a:prstGeom>
-        </p:spPr>
-        <p:txBody>
-          <a:bodyPr vert="horz" lIns="36000" tIns="36000" rIns="36000" bIns="36000" rtlCol="0" anchor="ctr"/>
-          <a:lstStyle>
-            <a:defPPr>
-              <a:defRPr lang="en-US"/>
-            </a:defPPr>
-            <a:lvl1pPr marL="0" algn="r" defTabSz="914400" rtl="0" eaLnBrk="1" latinLnBrk="0" hangingPunct="1">
-              <a:defRPr sz="1000" kern="1200">
-                <a:solidFill>
-                  <a:schemeClr val="tx1"/>
-                </a:solidFill>
-                <a:latin typeface="+mn-lt"/>
-                <a:ea typeface="+mn-ea"/>
-                <a:cs typeface="+mn-cs"/>
-              </a:defRPr>
-            </a:lvl1pPr>
-            <a:lvl2pPr marL="457200" algn="l" defTabSz="914400" rtl="0" eaLnBrk="1" latinLnBrk="0" hangingPunct="1">
-              <a:defRPr sz="1800" kern="1200">
-                <a:solidFill>
-                  <a:schemeClr val="tx1"/>
-                </a:solidFill>
-                <a:latin typeface="+mn-lt"/>
-                <a:ea typeface="+mn-ea"/>
-                <a:cs typeface="+mn-cs"/>
-              </a:defRPr>
-            </a:lvl2pPr>
-            <a:lvl3pPr marL="914400" algn="l" defTabSz="914400" rtl="0" eaLnBrk="1" latinLnBrk="0" hangingPunct="1">
-              <a:defRPr sz="1800" kern="1200">
-                <a:solidFill>
-                  <a:schemeClr val="tx1"/>
-                </a:solidFill>
-                <a:latin typeface="+mn-lt"/>
-                <a:ea typeface="+mn-ea"/>
-                <a:cs typeface="+mn-cs"/>
-              </a:defRPr>
-            </a:lvl3pPr>
-            <a:lvl4pPr marL="1371600" algn="l" defTabSz="914400" rtl="0" eaLnBrk="1" latinLnBrk="0" hangingPunct="1">
-              <a:defRPr sz="1800" kern="1200">
-                <a:solidFill>
-                  <a:schemeClr val="tx1"/>
-                </a:solidFill>
-                <a:latin typeface="+mn-lt"/>
-                <a:ea typeface="+mn-ea"/>
-                <a:cs typeface="+mn-cs"/>
-              </a:defRPr>
-            </a:lvl4pPr>
-            <a:lvl5pPr marL="1828800" algn="l" defTabSz="914400" rtl="0" eaLnBrk="1" latinLnBrk="0" hangingPunct="1">
-              <a:defRPr sz="1800" kern="1200">
-                <a:solidFill>
-                  <a:schemeClr val="tx1"/>
-                </a:solidFill>
-                <a:latin typeface="+mn-lt"/>
-                <a:ea typeface="+mn-ea"/>
-                <a:cs typeface="+mn-cs"/>
-              </a:defRPr>
-            </a:lvl5pPr>
-            <a:lvl6pPr marL="2286000" algn="l" defTabSz="914400" rtl="0" eaLnBrk="1" latinLnBrk="0" hangingPunct="1">
-              <a:defRPr sz="1800" kern="1200">
-                <a:solidFill>
-                  <a:schemeClr val="tx1"/>
-                </a:solidFill>
-                <a:latin typeface="+mn-lt"/>
-                <a:ea typeface="+mn-ea"/>
-                <a:cs typeface="+mn-cs"/>
-              </a:defRPr>
-            </a:lvl6pPr>
-            <a:lvl7pPr marL="2743200" algn="l" defTabSz="914400" rtl="0" eaLnBrk="1" latinLnBrk="0" hangingPunct="1">
-              <a:defRPr sz="1800" kern="1200">
-                <a:solidFill>
-                  <a:schemeClr val="tx1"/>
-                </a:solidFill>
-                <a:latin typeface="+mn-lt"/>
-                <a:ea typeface="+mn-ea"/>
-                <a:cs typeface="+mn-cs"/>
-              </a:defRPr>
-            </a:lvl7pPr>
-            <a:lvl8pPr marL="3200400" algn="l" defTabSz="914400" rtl="0" eaLnBrk="1" latinLnBrk="0" hangingPunct="1">
-              <a:defRPr sz="1800" kern="1200">
-                <a:solidFill>
-                  <a:schemeClr val="tx1"/>
-                </a:solidFill>
-                <a:latin typeface="+mn-lt"/>
-                <a:ea typeface="+mn-ea"/>
-                <a:cs typeface="+mn-cs"/>
-              </a:defRPr>
-            </a:lvl8pPr>
-            <a:lvl9pPr marL="3657600" algn="l" defTabSz="914400" rtl="0" eaLnBrk="1" latinLnBrk="0" hangingPunct="1">
-              <a:defRPr sz="1800" kern="1200">
-                <a:solidFill>
-                  <a:schemeClr val="tx1"/>
-                </a:solidFill>
-                <a:latin typeface="+mn-lt"/>
-                <a:ea typeface="+mn-ea"/>
-                <a:cs typeface="+mn-cs"/>
-              </a:defRPr>
-            </a:lvl9pPr>
-          </a:lstStyle>
-          <a:p>
-            <a:fld id="{C014DD1E-5D91-48A3-AD6D-45FBA980D106}" type="slidenum">
-              <a:rPr lang="en-US" smtClean="0"/>
-              <a:pPr/>
-              <a:t>24</a:t>
-            </a:fld>
-            <a:endParaRPr lang="en-US" dirty="0"/>
-          </a:p>
-        </p:txBody>
-      </p:sp>
       <p:grpSp>
         <p:nvGrpSpPr>
           <p:cNvPr id="9" name="Group 8">
@@ -16179,7 +16116,7 @@
         </p:nvSpPr>
         <p:spPr>
           <a:xfrm>
-            <a:off x="741000" y="1610812"/>
+            <a:off x="741000" y="1539000"/>
             <a:ext cx="11040744" cy="4894130"/>
           </a:xfrm>
           <a:prstGeom prst="rect">
@@ -16369,7 +16306,7 @@
             <a:r>
               <a:rPr lang="bg-BG" sz="2800" b="1" dirty="0">
                 <a:solidFill>
-                  <a:schemeClr val="bg1">
+                  <a:schemeClr val="accent1">
                     <a:lumMod val="60000"/>
                     <a:lumOff val="40000"/>
                   </a:schemeClr>
@@ -16514,7 +16451,7 @@
             <a:r>
               <a:rPr lang="bg-BG" sz="2800" b="1" dirty="0">
                 <a:solidFill>
-                  <a:schemeClr val="bg1">
+                  <a:schemeClr val="accent1">
                     <a:lumMod val="60000"/>
                     <a:lumOff val="40000"/>
                   </a:schemeClr>
@@ -16554,7 +16491,7 @@
               </a:buClr>
             </a:pPr>
             <a:r>
-              <a:rPr lang="bg-BG" sz="2400" dirty="0">
+              <a:rPr lang="bg-BG" sz="2800" dirty="0">
                 <a:solidFill>
                   <a:schemeClr val="bg2"/>
                 </a:solidFill>
@@ -16562,9 +16499,9 @@
               <a:t>Получаване на </a:t>
             </a:r>
             <a:r>
-              <a:rPr lang="bg-BG" sz="2400" b="1" dirty="0">
-                <a:solidFill>
-                  <a:schemeClr val="bg1">
+              <a:rPr lang="bg-BG" sz="2800" b="1" dirty="0">
+                <a:solidFill>
+                  <a:schemeClr val="accent1">
                     <a:lumMod val="60000"/>
                     <a:lumOff val="40000"/>
                   </a:schemeClr>
@@ -16583,7 +16520,7 @@
               </a:buClr>
             </a:pPr>
             <a:r>
-              <a:rPr lang="en-US" sz="2200" b="1" dirty="0">
+              <a:rPr lang="en-US" sz="2600" b="1" dirty="0">
                 <a:solidFill>
                   <a:schemeClr val="bg2"/>
                 </a:solidFill>
@@ -16591,7 +16528,7 @@
               <a:t>F1</a:t>
             </a:r>
             <a:r>
-              <a:rPr lang="en-US" sz="2200" dirty="0">
+              <a:rPr lang="en-US" sz="2600" dirty="0">
                 <a:solidFill>
                   <a:schemeClr val="bg2"/>
                 </a:solidFill>
@@ -16599,7 +16536,7 @@
               <a:t> – </a:t>
             </a:r>
             <a:r>
-              <a:rPr lang="bg-BG" sz="2200" dirty="0">
+              <a:rPr lang="bg-BG" sz="2600" dirty="0">
                 <a:solidFill>
                   <a:schemeClr val="bg2"/>
                 </a:solidFill>
@@ -16607,7 +16544,7 @@
               <a:t>диалогов прозорец </a:t>
             </a:r>
             <a:r>
-              <a:rPr lang="en-US" sz="2200" b="1" dirty="0">
+              <a:rPr lang="en-US" sz="2600" b="1" dirty="0">
                 <a:solidFill>
                   <a:schemeClr val="bg2"/>
                 </a:solidFill>
@@ -16635,6 +16572,343 @@
       <p:transition spd="slow" advClick="0" advTm="5000"/>
     </mc:Fallback>
   </mc:AlternateContent>
+  <p:timing>
+    <p:tnLst>
+      <p:par>
+        <p:cTn id="1" dur="indefinite" restart="never" nodeType="tmRoot">
+          <p:childTnLst>
+            <p:seq concurrent="1" nextAc="seek">
+              <p:cTn id="2" dur="indefinite" nodeType="mainSeq">
+                <p:childTnLst>
+                  <p:par>
+                    <p:cTn id="3" fill="hold">
+                      <p:stCondLst>
+                        <p:cond delay="indefinite"/>
+                      </p:stCondLst>
+                      <p:childTnLst>
+                        <p:par>
+                          <p:cTn id="4" fill="hold">
+                            <p:stCondLst>
+                              <p:cond delay="0"/>
+                            </p:stCondLst>
+                            <p:childTnLst>
+                              <p:par>
+                                <p:cTn id="5" presetID="1" presetClass="entr" presetSubtype="0" fill="hold" nodeType="clickEffect">
+                                  <p:stCondLst>
+                                    <p:cond delay="0"/>
+                                  </p:stCondLst>
+                                  <p:childTnLst>
+                                    <p:set>
+                                      <p:cBhvr>
+                                        <p:cTn id="6" dur="1" fill="hold">
+                                          <p:stCondLst>
+                                            <p:cond delay="0"/>
+                                          </p:stCondLst>
+                                        </p:cTn>
+                                        <p:tgtEl>
+                                          <p:spTgt spid="15">
+                                            <p:txEl>
+                                              <p:pRg st="2" end="2"/>
+                                            </p:txEl>
+                                          </p:spTgt>
+                                        </p:tgtEl>
+                                        <p:attrNameLst>
+                                          <p:attrName>style.visibility</p:attrName>
+                                        </p:attrNameLst>
+                                      </p:cBhvr>
+                                      <p:to>
+                                        <p:strVal val="visible"/>
+                                      </p:to>
+                                    </p:set>
+                                  </p:childTnLst>
+                                </p:cTn>
+                              </p:par>
+                              <p:par>
+                                <p:cTn id="7" presetID="1" presetClass="entr" presetSubtype="0" fill="hold" nodeType="withEffect">
+                                  <p:stCondLst>
+                                    <p:cond delay="0"/>
+                                  </p:stCondLst>
+                                  <p:childTnLst>
+                                    <p:set>
+                                      <p:cBhvr>
+                                        <p:cTn id="8" dur="1" fill="hold">
+                                          <p:stCondLst>
+                                            <p:cond delay="0"/>
+                                          </p:stCondLst>
+                                        </p:cTn>
+                                        <p:tgtEl>
+                                          <p:spTgt spid="15">
+                                            <p:txEl>
+                                              <p:pRg st="3" end="3"/>
+                                            </p:txEl>
+                                          </p:spTgt>
+                                        </p:tgtEl>
+                                        <p:attrNameLst>
+                                          <p:attrName>style.visibility</p:attrName>
+                                        </p:attrNameLst>
+                                      </p:cBhvr>
+                                      <p:to>
+                                        <p:strVal val="visible"/>
+                                      </p:to>
+                                    </p:set>
+                                  </p:childTnLst>
+                                </p:cTn>
+                              </p:par>
+                            </p:childTnLst>
+                          </p:cTn>
+                        </p:par>
+                      </p:childTnLst>
+                    </p:cTn>
+                  </p:par>
+                  <p:par>
+                    <p:cTn id="9" fill="hold">
+                      <p:stCondLst>
+                        <p:cond delay="indefinite"/>
+                      </p:stCondLst>
+                      <p:childTnLst>
+                        <p:par>
+                          <p:cTn id="10" fill="hold">
+                            <p:stCondLst>
+                              <p:cond delay="0"/>
+                            </p:stCondLst>
+                            <p:childTnLst>
+                              <p:par>
+                                <p:cTn id="11" presetID="1" presetClass="entr" presetSubtype="0" fill="hold" nodeType="clickEffect">
+                                  <p:stCondLst>
+                                    <p:cond delay="0"/>
+                                  </p:stCondLst>
+                                  <p:childTnLst>
+                                    <p:set>
+                                      <p:cBhvr>
+                                        <p:cTn id="12" dur="1" fill="hold">
+                                          <p:stCondLst>
+                                            <p:cond delay="0"/>
+                                          </p:stCondLst>
+                                        </p:cTn>
+                                        <p:tgtEl>
+                                          <p:spTgt spid="15">
+                                            <p:txEl>
+                                              <p:pRg st="4" end="4"/>
+                                            </p:txEl>
+                                          </p:spTgt>
+                                        </p:tgtEl>
+                                        <p:attrNameLst>
+                                          <p:attrName>style.visibility</p:attrName>
+                                        </p:attrNameLst>
+                                      </p:cBhvr>
+                                      <p:to>
+                                        <p:strVal val="visible"/>
+                                      </p:to>
+                                    </p:set>
+                                  </p:childTnLst>
+                                </p:cTn>
+                              </p:par>
+                            </p:childTnLst>
+                          </p:cTn>
+                        </p:par>
+                      </p:childTnLst>
+                    </p:cTn>
+                  </p:par>
+                  <p:par>
+                    <p:cTn id="13" fill="hold">
+                      <p:stCondLst>
+                        <p:cond delay="indefinite"/>
+                      </p:stCondLst>
+                      <p:childTnLst>
+                        <p:par>
+                          <p:cTn id="14" fill="hold">
+                            <p:stCondLst>
+                              <p:cond delay="0"/>
+                            </p:stCondLst>
+                            <p:childTnLst>
+                              <p:par>
+                                <p:cTn id="15" presetID="1" presetClass="entr" presetSubtype="0" fill="hold" nodeType="clickEffect">
+                                  <p:stCondLst>
+                                    <p:cond delay="0"/>
+                                  </p:stCondLst>
+                                  <p:childTnLst>
+                                    <p:set>
+                                      <p:cBhvr>
+                                        <p:cTn id="16" dur="1" fill="hold">
+                                          <p:stCondLst>
+                                            <p:cond delay="0"/>
+                                          </p:stCondLst>
+                                        </p:cTn>
+                                        <p:tgtEl>
+                                          <p:spTgt spid="15">
+                                            <p:txEl>
+                                              <p:pRg st="5" end="5"/>
+                                            </p:txEl>
+                                          </p:spTgt>
+                                        </p:tgtEl>
+                                        <p:attrNameLst>
+                                          <p:attrName>style.visibility</p:attrName>
+                                        </p:attrNameLst>
+                                      </p:cBhvr>
+                                      <p:to>
+                                        <p:strVal val="visible"/>
+                                      </p:to>
+                                    </p:set>
+                                  </p:childTnLst>
+                                </p:cTn>
+                              </p:par>
+                            </p:childTnLst>
+                          </p:cTn>
+                        </p:par>
+                      </p:childTnLst>
+                    </p:cTn>
+                  </p:par>
+                  <p:par>
+                    <p:cTn id="17" fill="hold">
+                      <p:stCondLst>
+                        <p:cond delay="indefinite"/>
+                      </p:stCondLst>
+                      <p:childTnLst>
+                        <p:par>
+                          <p:cTn id="18" fill="hold">
+                            <p:stCondLst>
+                              <p:cond delay="0"/>
+                            </p:stCondLst>
+                            <p:childTnLst>
+                              <p:par>
+                                <p:cTn id="19" presetID="1" presetClass="entr" presetSubtype="0" fill="hold" nodeType="clickEffect">
+                                  <p:stCondLst>
+                                    <p:cond delay="0"/>
+                                  </p:stCondLst>
+                                  <p:childTnLst>
+                                    <p:set>
+                                      <p:cBhvr>
+                                        <p:cTn id="20" dur="1" fill="hold">
+                                          <p:stCondLst>
+                                            <p:cond delay="0"/>
+                                          </p:stCondLst>
+                                        </p:cTn>
+                                        <p:tgtEl>
+                                          <p:spTgt spid="15">
+                                            <p:txEl>
+                                              <p:pRg st="6" end="6"/>
+                                            </p:txEl>
+                                          </p:spTgt>
+                                        </p:tgtEl>
+                                        <p:attrNameLst>
+                                          <p:attrName>style.visibility</p:attrName>
+                                        </p:attrNameLst>
+                                      </p:cBhvr>
+                                      <p:to>
+                                        <p:strVal val="visible"/>
+                                      </p:to>
+                                    </p:set>
+                                  </p:childTnLst>
+                                </p:cTn>
+                              </p:par>
+                            </p:childTnLst>
+                          </p:cTn>
+                        </p:par>
+                      </p:childTnLst>
+                    </p:cTn>
+                  </p:par>
+                  <p:par>
+                    <p:cTn id="21" fill="hold">
+                      <p:stCondLst>
+                        <p:cond delay="indefinite"/>
+                      </p:stCondLst>
+                      <p:childTnLst>
+                        <p:par>
+                          <p:cTn id="22" fill="hold">
+                            <p:stCondLst>
+                              <p:cond delay="0"/>
+                            </p:stCondLst>
+                            <p:childTnLst>
+                              <p:par>
+                                <p:cTn id="23" presetID="1" presetClass="entr" presetSubtype="0" fill="hold" nodeType="clickEffect">
+                                  <p:stCondLst>
+                                    <p:cond delay="0"/>
+                                  </p:stCondLst>
+                                  <p:childTnLst>
+                                    <p:set>
+                                      <p:cBhvr>
+                                        <p:cTn id="24" dur="1" fill="hold">
+                                          <p:stCondLst>
+                                            <p:cond delay="0"/>
+                                          </p:stCondLst>
+                                        </p:cTn>
+                                        <p:tgtEl>
+                                          <p:spTgt spid="15">
+                                            <p:txEl>
+                                              <p:pRg st="7" end="7"/>
+                                            </p:txEl>
+                                          </p:spTgt>
+                                        </p:tgtEl>
+                                        <p:attrNameLst>
+                                          <p:attrName>style.visibility</p:attrName>
+                                        </p:attrNameLst>
+                                      </p:cBhvr>
+                                      <p:to>
+                                        <p:strVal val="visible"/>
+                                      </p:to>
+                                    </p:set>
+                                  </p:childTnLst>
+                                </p:cTn>
+                              </p:par>
+                              <p:par>
+                                <p:cTn id="25" presetID="1" presetClass="entr" presetSubtype="0" fill="hold" nodeType="withEffect">
+                                  <p:stCondLst>
+                                    <p:cond delay="0"/>
+                                  </p:stCondLst>
+                                  <p:childTnLst>
+                                    <p:set>
+                                      <p:cBhvr>
+                                        <p:cTn id="26" dur="1" fill="hold">
+                                          <p:stCondLst>
+                                            <p:cond delay="0"/>
+                                          </p:stCondLst>
+                                        </p:cTn>
+                                        <p:tgtEl>
+                                          <p:spTgt spid="15">
+                                            <p:txEl>
+                                              <p:pRg st="8" end="8"/>
+                                            </p:txEl>
+                                          </p:spTgt>
+                                        </p:tgtEl>
+                                        <p:attrNameLst>
+                                          <p:attrName>style.visibility</p:attrName>
+                                        </p:attrNameLst>
+                                      </p:cBhvr>
+                                      <p:to>
+                                        <p:strVal val="visible"/>
+                                      </p:to>
+                                    </p:set>
+                                  </p:childTnLst>
+                                </p:cTn>
+                              </p:par>
+                            </p:childTnLst>
+                          </p:cTn>
+                        </p:par>
+                      </p:childTnLst>
+                    </p:cTn>
+                  </p:par>
+                </p:childTnLst>
+              </p:cTn>
+              <p:prevCondLst>
+                <p:cond evt="onPrev" delay="0">
+                  <p:tgtEl>
+                    <p:sldTgt/>
+                  </p:tgtEl>
+                </p:cond>
+              </p:prevCondLst>
+              <p:nextCondLst>
+                <p:cond evt="onNext" delay="0">
+                  <p:tgtEl>
+                    <p:sldTgt/>
+                  </p:tgtEl>
+                </p:cond>
+              </p:nextCondLst>
+            </p:seq>
+          </p:childTnLst>
+        </p:cTn>
+      </p:par>
+    </p:tnLst>
+  </p:timing>
 </p:sld>
 </file>
 
@@ -17200,11 +17474,11 @@
   <p:clrMapOvr>
     <a:masterClrMapping/>
   </p:clrMapOvr>
-  <mc:AlternateContent xmlns:mc="http://schemas.openxmlformats.org/markup-compatibility/2006">
-    <mc:Choice xmlns:p14="http://schemas.microsoft.com/office/powerpoint/2010/main" Requires="p14">
+  <mc:AlternateContent xmlns:mc="http://schemas.openxmlformats.org/markup-compatibility/2006" xmlns:p14="http://schemas.microsoft.com/office/powerpoint/2010/main">
+    <mc:Choice Requires="p14">
       <p:transition spd="slow" p14:dur="2000" advClick="0" advTm="5000"/>
     </mc:Choice>
-    <mc:Fallback>
+    <mc:Fallback xmlns="">
       <p:transition spd="slow" advClick="0" advTm="5000"/>
     </mc:Fallback>
   </mc:AlternateContent>
@@ -17583,6 +17857,36 @@
                 </a:outerShdw>
               </a:effectLst>
             </a:endParaRPr>
+          </a:p>
+        </p:txBody>
+      </p:sp>
+      <p:sp>
+        <p:nvSpPr>
+          <p:cNvPr id="2" name="Slide Number Placeholder 1">
+            <a:extLst>
+              <a:ext uri="{FF2B5EF4-FFF2-40B4-BE49-F238E27FC236}">
+                <a16:creationId xmlns:a16="http://schemas.microsoft.com/office/drawing/2014/main" id="{4EB3D727-AE1C-171A-E3D4-94872194DDDF}"/>
+              </a:ext>
+            </a:extLst>
+          </p:cNvPr>
+          <p:cNvSpPr>
+            <a:spLocks noGrp="1"/>
+          </p:cNvSpPr>
+          <p:nvPr>
+            <p:ph type="sldNum" sz="quarter" idx="5"/>
+          </p:nvPr>
+        </p:nvSpPr>
+        <p:spPr/>
+        <p:txBody>
+          <a:bodyPr/>
+          <a:lstStyle/>
+          <a:p>
+            <a:fld id="{2BF067CD-8E6B-4360-9AA8-C5DF2A48A6D1}" type="slidenum">
+              <a:rPr lang="en-US" noProof="0" smtClean="0"/>
+              <a:pPr/>
+              <a:t>4</a:t>
+            </a:fld>
+            <a:endParaRPr lang="en-US" noProof="0" dirty="0"/>
           </a:p>
         </p:txBody>
       </p:sp>
@@ -17959,7 +18263,7 @@
             <a:r>
               <a:rPr lang="en-US" sz="2800" b="1" dirty="0">
                 <a:solidFill>
-                  <a:schemeClr val="bg1">
+                  <a:schemeClr val="accent1">
                     <a:lumMod val="60000"/>
                     <a:lumOff val="40000"/>
                   </a:schemeClr>
@@ -18084,7 +18388,7 @@
             <a:r>
               <a:rPr lang="en-US" sz="2800" b="1" dirty="0">
                 <a:solidFill>
-                  <a:schemeClr val="bg1">
+                  <a:schemeClr val="accent1">
                     <a:lumMod val="60000"/>
                     <a:lumOff val="40000"/>
                   </a:schemeClr>
@@ -18221,7 +18525,7 @@
             <a:r>
               <a:rPr lang="en-US" sz="2800" b="1" dirty="0">
                 <a:solidFill>
-                  <a:schemeClr val="bg1">
+                  <a:schemeClr val="accent1">
                     <a:lumMod val="60000"/>
                     <a:lumOff val="40000"/>
                   </a:schemeClr>
@@ -18254,7 +18558,7 @@
             <a:r>
               <a:rPr lang="en-US" sz="2800" b="1" dirty="0">
                 <a:solidFill>
-                  <a:schemeClr val="bg1">
+                  <a:schemeClr val="accent1">
                     <a:lumMod val="60000"/>
                     <a:lumOff val="40000"/>
                   </a:schemeClr>
@@ -18287,7 +18591,7 @@
             <a:r>
               <a:rPr lang="en-US" sz="2800" b="1" dirty="0">
                 <a:solidFill>
-                  <a:schemeClr val="bg1">
+                  <a:schemeClr val="accent1">
                     <a:lumMod val="60000"/>
                     <a:lumOff val="40000"/>
                   </a:schemeClr>
@@ -19713,7 +20017,7 @@
             <a:r>
               <a:rPr lang="en-US" sz="2800" b="1" dirty="0">
                 <a:solidFill>
-                  <a:schemeClr val="bg1">
+                  <a:schemeClr val="accent1">
                     <a:lumMod val="60000"/>
                     <a:lumOff val="40000"/>
                   </a:schemeClr>
@@ -19761,7 +20065,7 @@
             <a:r>
               <a:rPr lang="en-US" sz="2800" b="1" dirty="0">
                 <a:solidFill>
-                  <a:schemeClr val="bg1">
+                  <a:schemeClr val="accent1">
                     <a:lumMod val="60000"/>
                     <a:lumOff val="40000"/>
                   </a:schemeClr>
@@ -20181,7 +20485,7 @@
             <a:r>
               <a:rPr lang="en-US" sz="2800" b="1" dirty="0">
                 <a:solidFill>
-                  <a:schemeClr val="bg1">
+                  <a:schemeClr val="accent1">
                     <a:lumMod val="60000"/>
                     <a:lumOff val="40000"/>
                   </a:schemeClr>
@@ -20271,12 +20575,30 @@
                   </a:outerShdw>
                 </a:effectLst>
               </a:rPr>
-              <a:t>В текстовото поле </a:t>
+              <a:t>В текстовото поле</a:t>
+            </a:r>
+            <a:r>
+              <a:rPr lang="bg-BG" sz="2800" b="1" dirty="0">
+                <a:solidFill>
+                  <a:schemeClr val="accent1">
+                    <a:lumMod val="60000"/>
+                    <a:lumOff val="40000"/>
+                  </a:schemeClr>
+                </a:solidFill>
+                <a:effectLst>
+                  <a:outerShdw blurRad="38100" dist="38100" dir="2700000" algn="tl">
+                    <a:srgbClr val="000000">
+                      <a:alpha val="43137"/>
+                    </a:srgbClr>
+                  </a:outerShdw>
+                </a:effectLst>
+              </a:rPr>
+              <a:t> </a:t>
             </a:r>
             <a:r>
               <a:rPr lang="en-US" sz="2800" b="1" dirty="0">
                 <a:solidFill>
-                  <a:schemeClr val="bg1">
+                  <a:schemeClr val="accent1">
                     <a:lumMod val="60000"/>
                     <a:lumOff val="40000"/>
                   </a:schemeClr>
@@ -20327,7 +20649,7 @@
             <a:r>
               <a:rPr lang="en-US" sz="2800" b="1" dirty="0">
                 <a:solidFill>
-                  <a:schemeClr val="bg1">
+                  <a:schemeClr val="accent1">
                     <a:lumMod val="60000"/>
                     <a:lumOff val="40000"/>
                   </a:schemeClr>
@@ -20792,7 +21114,7 @@
             <a:r>
               <a:rPr lang="en-US" sz="2800" b="1" dirty="0">
                 <a:solidFill>
-                  <a:schemeClr val="bg1">
+                  <a:schemeClr val="accent1">
                     <a:lumMod val="60000"/>
                     <a:lumOff val="40000"/>
                   </a:schemeClr>
